--- a/Slides/PPT/Introduction_to_NLP_and_Its_Application.pptx
+++ b/Slides/PPT/Introduction_to_NLP_and_Its_Application.pptx
@@ -5,10 +5,10 @@
     <p:sldMasterId id="2147483944" r:id="rId1"/>
   </p:sldMasterIdLst>
   <p:notesMasterIdLst>
-    <p:notesMasterId r:id="rId48"/>
+    <p:notesMasterId r:id="rId46"/>
   </p:notesMasterIdLst>
   <p:handoutMasterIdLst>
-    <p:handoutMasterId r:id="rId49"/>
+    <p:handoutMasterId r:id="rId47"/>
   </p:handoutMasterIdLst>
   <p:sldIdLst>
     <p:sldId id="256" r:id="rId2"/>
@@ -34,29 +34,27 @@
     <p:sldId id="330" r:id="rId22"/>
     <p:sldId id="304" r:id="rId23"/>
     <p:sldId id="331" r:id="rId24"/>
-    <p:sldId id="332" r:id="rId25"/>
-    <p:sldId id="305" r:id="rId26"/>
-    <p:sldId id="334" r:id="rId27"/>
-    <p:sldId id="306" r:id="rId28"/>
-    <p:sldId id="335" r:id="rId29"/>
-    <p:sldId id="339" r:id="rId30"/>
-    <p:sldId id="340" r:id="rId31"/>
-    <p:sldId id="348" r:id="rId32"/>
-    <p:sldId id="349" r:id="rId33"/>
-    <p:sldId id="313" r:id="rId34"/>
-    <p:sldId id="314" r:id="rId35"/>
-    <p:sldId id="315" r:id="rId36"/>
-    <p:sldId id="316" r:id="rId37"/>
-    <p:sldId id="307" r:id="rId38"/>
-    <p:sldId id="317" r:id="rId39"/>
-    <p:sldId id="318" r:id="rId40"/>
-    <p:sldId id="319" r:id="rId41"/>
-    <p:sldId id="320" r:id="rId42"/>
-    <p:sldId id="321" r:id="rId43"/>
-    <p:sldId id="322" r:id="rId44"/>
-    <p:sldId id="323" r:id="rId45"/>
-    <p:sldId id="286" r:id="rId46"/>
-    <p:sldId id="291" r:id="rId47"/>
+    <p:sldId id="334" r:id="rId25"/>
+    <p:sldId id="306" r:id="rId26"/>
+    <p:sldId id="335" r:id="rId27"/>
+    <p:sldId id="339" r:id="rId28"/>
+    <p:sldId id="340" r:id="rId29"/>
+    <p:sldId id="348" r:id="rId30"/>
+    <p:sldId id="349" r:id="rId31"/>
+    <p:sldId id="313" r:id="rId32"/>
+    <p:sldId id="314" r:id="rId33"/>
+    <p:sldId id="315" r:id="rId34"/>
+    <p:sldId id="316" r:id="rId35"/>
+    <p:sldId id="307" r:id="rId36"/>
+    <p:sldId id="317" r:id="rId37"/>
+    <p:sldId id="318" r:id="rId38"/>
+    <p:sldId id="319" r:id="rId39"/>
+    <p:sldId id="320" r:id="rId40"/>
+    <p:sldId id="321" r:id="rId41"/>
+    <p:sldId id="322" r:id="rId42"/>
+    <p:sldId id="323" r:id="rId43"/>
+    <p:sldId id="286" r:id="rId44"/>
+    <p:sldId id="291" r:id="rId45"/>
   </p:sldIdLst>
   <p:sldSz cx="12192000" cy="6858000"/>
   <p:notesSz cx="6858000" cy="9144000"/>
@@ -8940,15 +8938,60 @@
           <a:p>
             <a:r>
               <a:rPr lang="en-US" altLang="zh-TW" dirty="0"/>
-              <a:t>Natural Language Processing</a:t>
+              <a:t>Natural Language </a:t>
+            </a:r>
+            <a:r>
+              <a:rPr lang="en-US" altLang="zh-TW" dirty="0" smtClean="0"/>
+              <a:t>Processing</a:t>
+            </a:r>
+          </a:p>
+          <a:p>
+            <a:r>
+              <a:rPr lang="en-US" altLang="zh-TW" dirty="0"/>
+              <a:t>The Design and Implementation of </a:t>
+            </a:r>
+            <a:r>
+              <a:rPr lang="en-US" altLang="zh-TW" dirty="0" err="1"/>
+              <a:t>XiaoIce</a:t>
+            </a:r>
+            <a:r>
+              <a:rPr lang="en-US" altLang="zh-TW" dirty="0"/>
+              <a:t>, an Empathetic Social </a:t>
+            </a:r>
+            <a:r>
+              <a:rPr lang="en-US" altLang="zh-TW" dirty="0" err="1" smtClean="0"/>
+              <a:t>Chatbot</a:t>
             </a:r>
             <a:endParaRPr lang="en-US" altLang="zh-TW" dirty="0" smtClean="0"/>
           </a:p>
           <a:p>
             <a:r>
+              <a:rPr lang="en-US" altLang="zh-TW" dirty="0"/>
+              <a:t>Google Assistance</a:t>
+            </a:r>
+            <a:endParaRPr lang="en-US" altLang="zh-TW" dirty="0" smtClean="0"/>
+          </a:p>
+          <a:p>
+            <a:r>
               <a:rPr lang="en-US" altLang="zh-TW" dirty="0" smtClean="0"/>
-              <a:t>Discussion on Practical Problems</a:t>
-            </a:r>
+              <a:t>Recipes </a:t>
+            </a:r>
+            <a:r>
+              <a:rPr lang="en-US" altLang="zh-TW" dirty="0"/>
+              <a:t>for building an open-domain </a:t>
+            </a:r>
+            <a:r>
+              <a:rPr lang="en-US" altLang="zh-TW" dirty="0" err="1"/>
+              <a:t>chatbot</a:t>
+            </a:r>
+            <a:endParaRPr lang="en-US" altLang="zh-TW" dirty="0" smtClean="0"/>
+          </a:p>
+          <a:p>
+            <a:r>
+              <a:rPr lang="en-US" dirty="0"/>
+              <a:t>Applications of the GPT-3 Model</a:t>
+            </a:r>
+            <a:endParaRPr lang="en-US" altLang="zh-TW" dirty="0" smtClean="0"/>
           </a:p>
           <a:p>
             <a:r>
@@ -10101,24 +10144,14 @@
         </p:nvSpPr>
         <p:spPr/>
         <p:txBody>
-          <a:bodyPr>
-            <a:normAutofit/>
-          </a:bodyPr>
-          <a:lstStyle/>
-          <a:p>
-            <a:r>
-              <a:rPr lang="en-US" altLang="zh-TW" sz="4000" dirty="0"/>
-              <a:t>Measuring Depression Symptom Severity from</a:t>
-            </a:r>
-            <a:r>
-              <a:rPr lang="zh-TW" altLang="en-US" sz="4000" dirty="0"/>
-              <a:t> </a:t>
-            </a:r>
-            <a:r>
-              <a:rPr lang="en-US" altLang="zh-TW" sz="4000" dirty="0"/>
-              <a:t>Spoken Language and 3D Facial Expressions</a:t>
-            </a:r>
-            <a:endParaRPr lang="zh-TW" altLang="en-US" sz="4000" dirty="0"/>
+          <a:bodyPr/>
+          <a:lstStyle/>
+          <a:p>
+            <a:r>
+              <a:rPr lang="en-US" altLang="zh-TW" dirty="0" smtClean="0"/>
+              <a:t>Google Assistance</a:t>
+            </a:r>
+            <a:endParaRPr lang="zh-TW" altLang="en-US" dirty="0"/>
           </a:p>
         </p:txBody>
       </p:sp>
@@ -10137,31 +10170,7 @@
           <a:bodyPr/>
           <a:lstStyle/>
           <a:p>
-            <a:r>
-              <a:rPr lang="en-US" altLang="zh-TW" dirty="0" err="1"/>
-              <a:t>Haque</a:t>
-            </a:r>
-            <a:r>
-              <a:rPr lang="zh-TW" altLang="en-US" dirty="0"/>
-              <a:t> </a:t>
-            </a:r>
-            <a:r>
-              <a:rPr lang="en-US" altLang="zh-TW" dirty="0"/>
-              <a:t>et al</a:t>
-            </a:r>
-            <a:r>
-              <a:rPr lang="en-US" altLang="zh-TW" dirty="0" smtClean="0"/>
-              <a:t>., </a:t>
-            </a:r>
-            <a:r>
-              <a:rPr lang="en-US" altLang="zh-TW" dirty="0" err="1" smtClean="0"/>
-              <a:t>Arxiv</a:t>
-            </a:r>
-            <a:r>
-              <a:rPr lang="en-US" altLang="zh-TW" dirty="0" smtClean="0"/>
-              <a:t>, 2018.</a:t>
-            </a:r>
-            <a:endParaRPr lang="zh-TW" altLang="en-US" dirty="0"/>
+            <a:endParaRPr lang="zh-TW" altLang="en-US"/>
           </a:p>
         </p:txBody>
       </p:sp>
@@ -10237,7 +10246,7 @@
     </p:spTree>
     <p:extLst>
       <p:ext uri="{BB962C8B-B14F-4D97-AF65-F5344CB8AC3E}">
-        <p14:creationId xmlns:p14="http://schemas.microsoft.com/office/powerpoint/2010/main" val="200506034"/>
+        <p14:creationId xmlns:p14="http://schemas.microsoft.com/office/powerpoint/2010/main" val="3347222587"/>
       </p:ext>
     </p:extLst>
   </p:cSld>
@@ -10288,237 +10297,112 @@
           <a:p>
             <a:r>
               <a:rPr lang="en-US" dirty="0" smtClean="0"/>
-              <a:t>Method</a:t>
+              <a:t>Demonstration</a:t>
             </a:r>
             <a:endParaRPr lang="en-US" dirty="0"/>
-          </a:p>
-        </p:txBody>
-      </p:sp>
-      <p:sp>
-        <p:nvSpPr>
-          <p:cNvPr id="3" name="內容版面配置區 2"/>
-          <p:cNvSpPr>
-            <a:spLocks noGrp="1"/>
-          </p:cNvSpPr>
-          <p:nvPr>
-            <p:ph idx="1"/>
-          </p:nvPr>
-        </p:nvSpPr>
-        <p:spPr/>
-        <p:txBody>
-          <a:bodyPr>
-            <a:normAutofit/>
-          </a:bodyPr>
-          <a:lstStyle/>
-          <a:p>
-            <a:pPr marL="0" indent="0">
-              <a:buNone/>
-            </a:pPr>
-            <a:r>
-              <a:rPr lang="zh-TW" altLang="en-US" dirty="0" smtClean="0"/>
-              <a:t> </a:t>
-            </a:r>
-            <a:endParaRPr lang="en-US" altLang="zh-TW" dirty="0" smtClean="0"/>
-          </a:p>
-          <a:p>
-            <a:pPr>
-              <a:buFont typeface="Arial" panose="020B0604020202020204" pitchFamily="34" charset="0"/>
-              <a:buChar char="•"/>
-            </a:pPr>
-            <a:endParaRPr lang="en-US" altLang="zh-TW" dirty="0" smtClean="0"/>
-          </a:p>
-          <a:p>
-            <a:pPr marL="0" indent="0">
-              <a:buNone/>
-            </a:pPr>
-            <a:endParaRPr lang="en-US" altLang="zh-TW" dirty="0" smtClean="0"/>
-          </a:p>
-          <a:p>
-            <a:pPr>
-              <a:buFont typeface="Arial" panose="020B0604020202020204" pitchFamily="34" charset="0"/>
-              <a:buChar char="•"/>
-            </a:pPr>
-            <a:endParaRPr lang="en-US" altLang="zh-TW" dirty="0"/>
-          </a:p>
-          <a:p>
-            <a:pPr>
-              <a:buFont typeface="Arial" panose="020B0604020202020204" pitchFamily="34" charset="0"/>
-              <a:buChar char="•"/>
-            </a:pPr>
-            <a:endParaRPr lang="en-US" altLang="zh-TW" dirty="0" smtClean="0"/>
-          </a:p>
-          <a:p>
-            <a:pPr>
-              <a:buFont typeface="Arial" panose="020B0604020202020204" pitchFamily="34" charset="0"/>
-              <a:buChar char="•"/>
-            </a:pPr>
-            <a:r>
-              <a:rPr lang="en-US" altLang="zh-TW" dirty="0" smtClean="0"/>
-              <a:t>Model</a:t>
-            </a:r>
-          </a:p>
-          <a:p>
-            <a:pPr lvl="1">
-              <a:buFont typeface="Arial" panose="020B0604020202020204" pitchFamily="34" charset="0"/>
-              <a:buChar char="•"/>
-            </a:pPr>
-            <a:r>
-              <a:rPr lang="en-US" altLang="zh-TW" dirty="0"/>
-              <a:t>Word-Embedding</a:t>
-            </a:r>
-          </a:p>
-          <a:p>
-            <a:pPr lvl="1">
-              <a:buFont typeface="Arial" panose="020B0604020202020204" pitchFamily="34" charset="0"/>
-              <a:buChar char="•"/>
-            </a:pPr>
-            <a:r>
-              <a:rPr lang="en-US" altLang="zh-TW" dirty="0" smtClean="0"/>
-              <a:t>C-CNN</a:t>
-            </a:r>
-          </a:p>
-          <a:p>
-            <a:pPr marL="0" indent="0">
-              <a:buNone/>
-            </a:pPr>
-            <a:endParaRPr lang="en-US" altLang="zh-TW" sz="1200" dirty="0" smtClean="0"/>
-          </a:p>
-          <a:p>
-            <a:pPr marL="0" indent="0">
-              <a:buNone/>
-            </a:pPr>
-            <a:endParaRPr lang="en-US" altLang="zh-TW" sz="1200" dirty="0"/>
-          </a:p>
-          <a:p>
-            <a:pPr marL="0" indent="0">
-              <a:buNone/>
-            </a:pPr>
-            <a:endParaRPr lang="en-US" altLang="zh-TW" sz="1200" dirty="0" smtClean="0"/>
-          </a:p>
-          <a:p>
-            <a:pPr marL="0" indent="0">
-              <a:buNone/>
-            </a:pPr>
-            <a:endParaRPr lang="en-US" altLang="zh-TW" sz="1200" dirty="0"/>
-          </a:p>
-          <a:p>
-            <a:pPr marL="0" indent="0">
-              <a:buNone/>
-            </a:pPr>
-            <a:endParaRPr lang="en-US" altLang="zh-TW" sz="1200" dirty="0" smtClean="0"/>
-          </a:p>
-          <a:p>
-            <a:pPr>
-              <a:buFont typeface="Arial" panose="020B0604020202020204" pitchFamily="34" charset="0"/>
-              <a:buChar char="•"/>
-            </a:pPr>
-            <a:endParaRPr lang="en-US" dirty="0"/>
-          </a:p>
-        </p:txBody>
-      </p:sp>
-      <p:sp>
-        <p:nvSpPr>
-          <p:cNvPr id="4" name="日期版面配置區 3"/>
-          <p:cNvSpPr>
-            <a:spLocks noGrp="1"/>
-          </p:cNvSpPr>
-          <p:nvPr>
-            <p:ph type="dt" sz="half" idx="10"/>
-          </p:nvPr>
-        </p:nvSpPr>
-        <p:spPr/>
-        <p:txBody>
-          <a:bodyPr/>
-          <a:lstStyle/>
-          <a:p>
-            <a:r>
-              <a:rPr lang="en-US" altLang="zh-TW" smtClean="0"/>
-              <a:t>October, 2020</a:t>
-            </a:r>
-            <a:endParaRPr lang="zh-TW" altLang="en-US"/>
-          </a:p>
-        </p:txBody>
-      </p:sp>
-      <p:sp>
-        <p:nvSpPr>
-          <p:cNvPr id="5" name="頁尾版面配置區 4"/>
-          <p:cNvSpPr>
-            <a:spLocks noGrp="1"/>
-          </p:cNvSpPr>
-          <p:nvPr>
-            <p:ph type="ftr" sz="quarter" idx="11"/>
-          </p:nvPr>
-        </p:nvSpPr>
-        <p:spPr/>
-        <p:txBody>
-          <a:bodyPr/>
-          <a:lstStyle/>
-          <a:p>
-            <a:r>
-              <a:rPr lang="zh-TW" altLang="en-US" smtClean="0"/>
-              <a:t>國立高雄科技大學建功校區電子工程系</a:t>
-            </a:r>
-            <a:endParaRPr lang="zh-TW" altLang="en-US"/>
-          </a:p>
-        </p:txBody>
-      </p:sp>
-      <p:sp>
-        <p:nvSpPr>
-          <p:cNvPr id="6" name="投影片編號版面配置區 5"/>
-          <p:cNvSpPr>
-            <a:spLocks noGrp="1"/>
-          </p:cNvSpPr>
-          <p:nvPr>
-            <p:ph type="sldNum" sz="quarter" idx="12"/>
-          </p:nvPr>
-        </p:nvSpPr>
-        <p:spPr/>
-        <p:txBody>
-          <a:bodyPr/>
-          <a:lstStyle/>
-          <a:p>
-            <a:fld id="{CA21FC57-2F32-463F-AC0A-B18DACEEE895}" type="slidenum">
-              <a:rPr lang="zh-TW" altLang="en-US" smtClean="0"/>
-              <a:t>25</a:t>
-            </a:fld>
-            <a:endParaRPr lang="zh-TW" altLang="en-US"/>
           </a:p>
         </p:txBody>
       </p:sp>
       <p:pic>
         <p:nvPicPr>
-          <p:cNvPr id="8" name="圖片 7" descr="畫面剪輯"/>
+          <p:cNvPr id="7" name="ARA0AxrnHdM"/>
           <p:cNvPicPr>
-            <a:picLocks noChangeAspect="1"/>
+            <a:picLocks noGrp="1" noRot="1" noChangeAspect="1"/>
           </p:cNvPicPr>
-          <p:nvPr/>
+          <p:nvPr>
+            <p:ph idx="1"/>
+            <a:videoFile r:link="rId1"/>
+          </p:nvPr>
         </p:nvPicPr>
         <p:blipFill>
-          <a:blip r:embed="rId2">
-            <a:extLst>
-              <a:ext uri="{28A0092B-C50C-407E-A947-70E740481C1C}">
-                <a14:useLocalDpi xmlns:a14="http://schemas.microsoft.com/office/drawing/2010/main" val="0"/>
-              </a:ext>
-            </a:extLst>
-          </a:blip>
+          <a:blip r:embed="rId3"/>
           <a:stretch>
             <a:fillRect/>
           </a:stretch>
         </p:blipFill>
         <p:spPr>
           <a:xfrm>
-            <a:off x="2027270" y="1870075"/>
-            <a:ext cx="7954930" cy="1905868"/>
+            <a:off x="2464777" y="1523634"/>
+            <a:ext cx="7778262" cy="4375272"/>
           </a:xfrm>
           <a:prstGeom prst="rect">
             <a:avLst/>
           </a:prstGeom>
         </p:spPr>
       </p:pic>
+      <p:sp>
+        <p:nvSpPr>
+          <p:cNvPr id="4" name="日期版面配置區 3"/>
+          <p:cNvSpPr>
+            <a:spLocks noGrp="1"/>
+          </p:cNvSpPr>
+          <p:nvPr>
+            <p:ph type="dt" sz="half" idx="10"/>
+          </p:nvPr>
+        </p:nvSpPr>
+        <p:spPr/>
+        <p:txBody>
+          <a:bodyPr/>
+          <a:lstStyle/>
+          <a:p>
+            <a:r>
+              <a:rPr lang="en-US" altLang="zh-TW" smtClean="0"/>
+              <a:t>October, 2020</a:t>
+            </a:r>
+            <a:endParaRPr lang="zh-TW" altLang="en-US"/>
+          </a:p>
+        </p:txBody>
+      </p:sp>
+      <p:sp>
+        <p:nvSpPr>
+          <p:cNvPr id="5" name="頁尾版面配置區 4"/>
+          <p:cNvSpPr>
+            <a:spLocks noGrp="1"/>
+          </p:cNvSpPr>
+          <p:nvPr>
+            <p:ph type="ftr" sz="quarter" idx="11"/>
+          </p:nvPr>
+        </p:nvSpPr>
+        <p:spPr/>
+        <p:txBody>
+          <a:bodyPr/>
+          <a:lstStyle/>
+          <a:p>
+            <a:r>
+              <a:rPr lang="zh-TW" altLang="en-US" smtClean="0"/>
+              <a:t>國立高雄科技大學建功校區電子工程系</a:t>
+            </a:r>
+            <a:endParaRPr lang="zh-TW" altLang="en-US"/>
+          </a:p>
+        </p:txBody>
+      </p:sp>
+      <p:sp>
+        <p:nvSpPr>
+          <p:cNvPr id="6" name="投影片編號版面配置區 5"/>
+          <p:cNvSpPr>
+            <a:spLocks noGrp="1"/>
+          </p:cNvSpPr>
+          <p:nvPr>
+            <p:ph type="sldNum" sz="quarter" idx="12"/>
+          </p:nvPr>
+        </p:nvSpPr>
+        <p:spPr/>
+        <p:txBody>
+          <a:bodyPr/>
+          <a:lstStyle/>
+          <a:p>
+            <a:fld id="{CA21FC57-2F32-463F-AC0A-B18DACEEE895}" type="slidenum">
+              <a:rPr lang="zh-TW" altLang="en-US" smtClean="0"/>
+              <a:t>25</a:t>
+            </a:fld>
+            <a:endParaRPr lang="zh-TW" altLang="en-US"/>
+          </a:p>
+        </p:txBody>
+      </p:sp>
     </p:spTree>
     <p:extLst>
       <p:ext uri="{BB962C8B-B14F-4D97-AF65-F5344CB8AC3E}">
-        <p14:creationId xmlns:p14="http://schemas.microsoft.com/office/powerpoint/2010/main" val="2371999982"/>
+        <p14:creationId xmlns:p14="http://schemas.microsoft.com/office/powerpoint/2010/main" val="4255019920"/>
       </p:ext>
     </p:extLst>
   </p:cSld>
@@ -10568,32 +10452,39 @@
           <a:lstStyle/>
           <a:p>
             <a:r>
-              <a:rPr lang="en-US" altLang="zh-TW" dirty="0" smtClean="0"/>
-              <a:t>Google Assistance</a:t>
-            </a:r>
-            <a:endParaRPr lang="zh-TW" altLang="en-US" dirty="0"/>
-          </a:p>
-        </p:txBody>
-      </p:sp>
-      <p:sp>
-        <p:nvSpPr>
-          <p:cNvPr id="3" name="文字版面配置區 2"/>
-          <p:cNvSpPr>
-            <a:spLocks noGrp="1"/>
-          </p:cNvSpPr>
-          <p:nvPr>
-            <p:ph type="body" idx="1"/>
-          </p:nvPr>
-        </p:nvSpPr>
-        <p:spPr/>
-        <p:txBody>
-          <a:bodyPr/>
-          <a:lstStyle/>
-          <a:p>
-            <a:endParaRPr lang="zh-TW" altLang="en-US"/>
-          </a:p>
-        </p:txBody>
-      </p:sp>
+              <a:rPr lang="en-US" altLang="zh-TW" dirty="0"/>
+              <a:t>Google Duplex</a:t>
+            </a:r>
+          </a:p>
+        </p:txBody>
+      </p:sp>
+      <p:pic>
+        <p:nvPicPr>
+          <p:cNvPr id="7" name="D5VN56jQMWM"/>
+          <p:cNvPicPr>
+            <a:picLocks noGrp="1" noRot="1" noChangeAspect="1"/>
+          </p:cNvPicPr>
+          <p:nvPr>
+            <p:ph idx="1"/>
+            <a:videoFile r:link="rId1"/>
+          </p:nvPr>
+        </p:nvPicPr>
+        <p:blipFill>
+          <a:blip r:embed="rId3"/>
+          <a:stretch>
+            <a:fillRect/>
+          </a:stretch>
+        </p:blipFill>
+        <p:spPr>
+          <a:xfrm>
+            <a:off x="2332891" y="1623219"/>
+            <a:ext cx="7918940" cy="4454403"/>
+          </a:xfrm>
+          <a:prstGeom prst="rect">
+            <a:avLst/>
+          </a:prstGeom>
+        </p:spPr>
+      </p:pic>
       <p:sp>
         <p:nvSpPr>
           <p:cNvPr id="4" name="日期版面配置區 3"/>
@@ -10613,7 +10504,7 @@
               <a:rPr lang="en-US" altLang="zh-TW" smtClean="0"/>
               <a:t>October, 2020</a:t>
             </a:r>
-            <a:endParaRPr lang="zh-TW" altLang="en-US" dirty="0"/>
+            <a:endParaRPr lang="zh-TW" altLang="en-US"/>
           </a:p>
         </p:txBody>
       </p:sp>
@@ -10666,7 +10557,7 @@
     </p:spTree>
     <p:extLst>
       <p:ext uri="{BB962C8B-B14F-4D97-AF65-F5344CB8AC3E}">
-        <p14:creationId xmlns:p14="http://schemas.microsoft.com/office/powerpoint/2010/main" val="3347222587"/>
+        <p14:creationId xmlns:p14="http://schemas.microsoft.com/office/powerpoint/2010/main" val="3787252844"/>
       </p:ext>
     </p:extLst>
   </p:cSld>
@@ -10702,7 +10593,7 @@
       </p:grpSpPr>
       <p:sp>
         <p:nvSpPr>
-          <p:cNvPr id="2" name="標題 1"/>
+          <p:cNvPr id="7" name="標題 6"/>
           <p:cNvSpPr>
             <a:spLocks noGrp="1"/>
           </p:cNvSpPr>
@@ -10712,44 +10603,54 @@
         </p:nvSpPr>
         <p:spPr/>
         <p:txBody>
-          <a:bodyPr/>
-          <a:lstStyle/>
-          <a:p>
-            <a:r>
-              <a:rPr lang="en-US" dirty="0" smtClean="0"/>
-              <a:t>Demonstration</a:t>
-            </a:r>
-            <a:endParaRPr lang="en-US" dirty="0"/>
-          </a:p>
-        </p:txBody>
-      </p:sp>
-      <p:pic>
-        <p:nvPicPr>
-          <p:cNvPr id="7" name="ARA0AxrnHdM"/>
-          <p:cNvPicPr>
-            <a:picLocks noGrp="1" noRot="1" noChangeAspect="1"/>
-          </p:cNvPicPr>
-          <p:nvPr>
-            <p:ph idx="1"/>
-            <a:videoFile r:link="rId1"/>
-          </p:nvPr>
-        </p:nvPicPr>
-        <p:blipFill>
-          <a:blip r:embed="rId3"/>
-          <a:stretch>
-            <a:fillRect/>
-          </a:stretch>
-        </p:blipFill>
-        <p:spPr>
-          <a:xfrm>
-            <a:off x="2464777" y="1523634"/>
-            <a:ext cx="7778262" cy="4375272"/>
-          </a:xfrm>
-          <a:prstGeom prst="rect">
-            <a:avLst/>
-          </a:prstGeom>
-        </p:spPr>
-      </p:pic>
+          <a:bodyPr>
+            <a:normAutofit/>
+          </a:bodyPr>
+          <a:lstStyle/>
+          <a:p>
+            <a:r>
+              <a:rPr lang="en-US" altLang="zh-TW" sz="4000" dirty="0"/>
+              <a:t>Recipes for building an open-domain </a:t>
+            </a:r>
+            <a:r>
+              <a:rPr lang="en-US" altLang="zh-TW" sz="4000" dirty="0" err="1"/>
+              <a:t>chatbot</a:t>
+            </a:r>
+            <a:endParaRPr lang="zh-TW" altLang="en-US" sz="4000" dirty="0"/>
+          </a:p>
+        </p:txBody>
+      </p:sp>
+      <p:sp>
+        <p:nvSpPr>
+          <p:cNvPr id="8" name="文字版面配置區 7"/>
+          <p:cNvSpPr>
+            <a:spLocks noGrp="1"/>
+          </p:cNvSpPr>
+          <p:nvPr>
+            <p:ph type="body" idx="1"/>
+          </p:nvPr>
+        </p:nvSpPr>
+        <p:spPr/>
+        <p:txBody>
+          <a:bodyPr/>
+          <a:lstStyle/>
+          <a:p>
+            <a:r>
+              <a:rPr lang="en-US" altLang="zh-TW" dirty="0" smtClean="0"/>
+              <a:t>Roller et al., </a:t>
+            </a:r>
+            <a:r>
+              <a:rPr lang="en-US" altLang="zh-TW" dirty="0" err="1" smtClean="0"/>
+              <a:t>Arxiv</a:t>
+            </a:r>
+            <a:r>
+              <a:rPr lang="en-US" altLang="zh-TW" dirty="0" smtClean="0"/>
+              <a:t>, 2020.</a:t>
+            </a:r>
+            <a:endParaRPr lang="zh-TW" altLang="en-US" dirty="0"/>
+          </a:p>
+        </p:txBody>
+      </p:sp>
       <p:sp>
         <p:nvSpPr>
           <p:cNvPr id="4" name="日期版面配置區 3"/>
@@ -10822,7 +10723,7 @@
     </p:spTree>
     <p:extLst>
       <p:ext uri="{BB962C8B-B14F-4D97-AF65-F5344CB8AC3E}">
-        <p14:creationId xmlns:p14="http://schemas.microsoft.com/office/powerpoint/2010/main" val="4255019920"/>
+        <p14:creationId xmlns:p14="http://schemas.microsoft.com/office/powerpoint/2010/main" val="706301007"/>
       </p:ext>
     </p:extLst>
   </p:cSld>
@@ -10858,7 +10759,7 @@
       </p:grpSpPr>
       <p:sp>
         <p:nvSpPr>
-          <p:cNvPr id="2" name="標題 1"/>
+          <p:cNvPr id="7" name="標題 6"/>
           <p:cNvSpPr>
             <a:spLocks noGrp="1"/>
           </p:cNvSpPr>
@@ -10872,39 +10773,44 @@
           <a:lstStyle/>
           <a:p>
             <a:r>
-              <a:rPr lang="en-US" altLang="zh-TW" dirty="0"/>
-              <a:t>Google Duplex</a:t>
-            </a:r>
-          </a:p>
-        </p:txBody>
-      </p:sp>
-      <p:pic>
-        <p:nvPicPr>
-          <p:cNvPr id="7" name="D5VN56jQMWM"/>
-          <p:cNvPicPr>
-            <a:picLocks noGrp="1" noRot="1" noChangeAspect="1"/>
-          </p:cNvPicPr>
+              <a:rPr lang="en-US" altLang="zh-TW" smtClean="0"/>
+              <a:t>Demonstration</a:t>
+            </a:r>
+            <a:endParaRPr lang="zh-TW" altLang="en-US"/>
+          </a:p>
+        </p:txBody>
+      </p:sp>
+      <p:sp>
+        <p:nvSpPr>
+          <p:cNvPr id="8" name="內容版面配置區 7"/>
+          <p:cNvSpPr>
+            <a:spLocks noGrp="1"/>
+          </p:cNvSpPr>
           <p:nvPr>
             <p:ph idx="1"/>
-            <a:videoFile r:link="rId1"/>
-          </p:nvPr>
-        </p:nvPicPr>
-        <p:blipFill>
-          <a:blip r:embed="rId3"/>
-          <a:stretch>
-            <a:fillRect/>
-          </a:stretch>
-        </p:blipFill>
-        <p:spPr>
-          <a:xfrm>
-            <a:off x="2332891" y="1623219"/>
-            <a:ext cx="7918940" cy="4454403"/>
-          </a:xfrm>
-          <a:prstGeom prst="rect">
-            <a:avLst/>
-          </a:prstGeom>
-        </p:spPr>
-      </p:pic>
+          </p:nvPr>
+        </p:nvSpPr>
+        <p:spPr/>
+        <p:txBody>
+          <a:bodyPr/>
+          <a:lstStyle/>
+          <a:p>
+            <a:r>
+              <a:rPr lang="en-US" altLang="zh-TW" dirty="0">
+                <a:hlinkClick r:id="rId2"/>
+              </a:rPr>
+              <a:t>https://ai.facebook.com/blog/state-of-the-art-open-source-chatbot</a:t>
+            </a:r>
+            <a:r>
+              <a:rPr lang="en-US" altLang="zh-TW" dirty="0" smtClean="0">
+                <a:hlinkClick r:id="rId2"/>
+              </a:rPr>
+              <a:t>/</a:t>
+            </a:r>
+            <a:endParaRPr lang="en-US" altLang="zh-TW" dirty="0" smtClean="0"/>
+          </a:p>
+        </p:txBody>
+      </p:sp>
       <p:sp>
         <p:nvSpPr>
           <p:cNvPr id="4" name="日期版面配置區 3"/>
@@ -10924,7 +10830,7 @@
               <a:rPr lang="en-US" altLang="zh-TW" smtClean="0"/>
               <a:t>October, 2020</a:t>
             </a:r>
-            <a:endParaRPr lang="zh-TW" altLang="en-US"/>
+            <a:endParaRPr lang="zh-TW" altLang="en-US" dirty="0"/>
           </a:p>
         </p:txBody>
       </p:sp>
@@ -10977,7 +10883,7 @@
     </p:spTree>
     <p:extLst>
       <p:ext uri="{BB962C8B-B14F-4D97-AF65-F5344CB8AC3E}">
-        <p14:creationId xmlns:p14="http://schemas.microsoft.com/office/powerpoint/2010/main" val="3787252844"/>
+        <p14:creationId xmlns:p14="http://schemas.microsoft.com/office/powerpoint/2010/main" val="1653381168"/>
       </p:ext>
     </p:extLst>
   </p:cSld>
@@ -11013,7 +10919,7 @@
       </p:grpSpPr>
       <p:sp>
         <p:nvSpPr>
-          <p:cNvPr id="7" name="標題 6"/>
+          <p:cNvPr id="2" name="標題 1"/>
           <p:cNvSpPr>
             <a:spLocks noGrp="1"/>
           </p:cNvSpPr>
@@ -11023,26 +10929,20 @@
         </p:nvSpPr>
         <p:spPr/>
         <p:txBody>
-          <a:bodyPr>
-            <a:normAutofit/>
-          </a:bodyPr>
-          <a:lstStyle/>
-          <a:p>
-            <a:r>
-              <a:rPr lang="en-US" altLang="zh-TW" sz="4000" dirty="0"/>
-              <a:t>Recipes for building an open-domain </a:t>
-            </a:r>
-            <a:r>
-              <a:rPr lang="en-US" altLang="zh-TW" sz="4000" dirty="0" err="1"/>
-              <a:t>chatbot</a:t>
-            </a:r>
-            <a:endParaRPr lang="zh-TW" altLang="en-US" sz="4000" dirty="0"/>
-          </a:p>
-        </p:txBody>
-      </p:sp>
-      <p:sp>
-        <p:nvSpPr>
-          <p:cNvPr id="8" name="文字版面配置區 7"/>
+          <a:bodyPr/>
+          <a:lstStyle/>
+          <a:p>
+            <a:r>
+              <a:rPr lang="en-US" dirty="0" smtClean="0"/>
+              <a:t>Applications of the GPT-3 Model</a:t>
+            </a:r>
+            <a:endParaRPr lang="en-US" dirty="0"/>
+          </a:p>
+        </p:txBody>
+      </p:sp>
+      <p:sp>
+        <p:nvSpPr>
+          <p:cNvPr id="3" name="文字版面配置區 2"/>
           <p:cNvSpPr>
             <a:spLocks noGrp="1"/>
           </p:cNvSpPr>
@@ -11055,19 +10955,7 @@
           <a:bodyPr/>
           <a:lstStyle/>
           <a:p>
-            <a:r>
-              <a:rPr lang="en-US" altLang="zh-TW" dirty="0" smtClean="0"/>
-              <a:t>Roller et al., </a:t>
-            </a:r>
-            <a:r>
-              <a:rPr lang="en-US" altLang="zh-TW" dirty="0" err="1" smtClean="0"/>
-              <a:t>Arxiv</a:t>
-            </a:r>
-            <a:r>
-              <a:rPr lang="en-US" altLang="zh-TW" dirty="0" smtClean="0"/>
-              <a:t>, 2020.</a:t>
-            </a:r>
-            <a:endParaRPr lang="zh-TW" altLang="en-US" dirty="0"/>
+            <a:endParaRPr lang="en-US" dirty="0"/>
           </a:p>
         </p:txBody>
       </p:sp>
@@ -11132,7 +11020,7 @@
           <a:bodyPr/>
           <a:lstStyle/>
           <a:p>
-            <a:fld id="{CA21FC57-2F32-463F-AC0A-B18DACEEE895}" type="slidenum">
+            <a:fld id="{E689F5F7-6250-42AC-86EC-F0DAF8EB0F02}" type="slidenum">
               <a:rPr lang="zh-TW" altLang="en-US" smtClean="0"/>
               <a:t>29</a:t>
             </a:fld>
@@ -11143,7 +11031,7 @@
     </p:spTree>
     <p:extLst>
       <p:ext uri="{BB962C8B-B14F-4D97-AF65-F5344CB8AC3E}">
-        <p14:creationId xmlns:p14="http://schemas.microsoft.com/office/powerpoint/2010/main" val="706301007"/>
+        <p14:creationId xmlns:p14="http://schemas.microsoft.com/office/powerpoint/2010/main" val="743761748"/>
       </p:ext>
     </p:extLst>
   </p:cSld>
@@ -11327,7 +11215,7 @@
       </p:grpSpPr>
       <p:sp>
         <p:nvSpPr>
-          <p:cNvPr id="7" name="標題 6"/>
+          <p:cNvPr id="2" name="標題 1"/>
           <p:cNvSpPr>
             <a:spLocks noGrp="1"/>
           </p:cNvSpPr>
@@ -11340,17 +11228,13 @@
           <a:bodyPr/>
           <a:lstStyle/>
           <a:p>
-            <a:r>
-              <a:rPr lang="en-US" altLang="zh-TW" smtClean="0"/>
-              <a:t>Demonstration</a:t>
-            </a:r>
-            <a:endParaRPr lang="zh-TW" altLang="en-US"/>
-          </a:p>
-        </p:txBody>
-      </p:sp>
-      <p:sp>
-        <p:nvSpPr>
-          <p:cNvPr id="8" name="內容版面配置區 7"/>
+            <a:endParaRPr lang="en-US" dirty="0"/>
+          </a:p>
+        </p:txBody>
+      </p:sp>
+      <p:sp>
+        <p:nvSpPr>
+          <p:cNvPr id="3" name="內容版面配置區 2"/>
           <p:cNvSpPr>
             <a:spLocks noGrp="1"/>
           </p:cNvSpPr>
@@ -11364,18 +11248,131 @@
           <a:lstStyle/>
           <a:p>
             <a:r>
-              <a:rPr lang="en-US" altLang="zh-TW" dirty="0">
+              <a:rPr lang="en-US" dirty="0" smtClean="0"/>
+              <a:t>HTML Layout Generation</a:t>
+            </a:r>
+          </a:p>
+          <a:p>
+            <a:pPr lvl="1"/>
+            <a:r>
+              <a:rPr lang="en-US" dirty="0" smtClean="0">
+                <a:hlinkClick r:id=""/>
+              </a:rPr>
+              <a:t>https</a:t>
+            </a:r>
+            <a:r>
+              <a:rPr lang="en-US" dirty="0">
                 <a:hlinkClick r:id="rId2"/>
               </a:rPr>
-              <a:t>https://ai.facebook.com/blog/state-of-the-art-open-source-chatbot</a:t>
-            </a:r>
-            <a:r>
-              <a:rPr lang="en-US" altLang="zh-TW" dirty="0" smtClean="0">
+              <a:t>://</a:t>
+            </a:r>
+            <a:r>
+              <a:rPr lang="en-US" dirty="0" smtClean="0">
                 <a:hlinkClick r:id="rId2"/>
               </a:rPr>
+              <a:t>twitter.com/i/status/1282676454690451457</a:t>
+            </a:r>
+            <a:endParaRPr lang="en-US" dirty="0" smtClean="0"/>
+          </a:p>
+          <a:p>
+            <a:r>
+              <a:rPr lang="en-US" altLang="zh-TW" dirty="0" smtClean="0"/>
+              <a:t>Web Generation</a:t>
+            </a:r>
+            <a:endParaRPr lang="en-US" dirty="0" smtClean="0">
+              <a:hlinkClick r:id="rId3"/>
+            </a:endParaRPr>
+          </a:p>
+          <a:p>
+            <a:pPr lvl="1"/>
+            <a:r>
+              <a:rPr lang="en-US" u="sng" dirty="0" smtClean="0">
+                <a:hlinkClick r:id="rId3"/>
+              </a:rPr>
+              <a:t>https</a:t>
+            </a:r>
+            <a:r>
+              <a:rPr lang="en-US" u="sng" dirty="0">
+                <a:hlinkClick r:id="rId3"/>
+              </a:rPr>
+              <a:t>://</a:t>
+            </a:r>
+            <a:r>
+              <a:rPr lang="en-US" u="sng" dirty="0" smtClean="0">
+                <a:hlinkClick r:id="rId3"/>
+              </a:rPr>
+              <a:t>twitter.com/jsngr/status/1287026808429383680?s=20</a:t>
+            </a:r>
+            <a:endParaRPr lang="en-US" u="sng" dirty="0" smtClean="0"/>
+          </a:p>
+          <a:p>
+            <a:pPr lvl="1"/>
+            <a:r>
+              <a:rPr lang="en-US" dirty="0">
+                <a:hlinkClick r:id="rId4"/>
+              </a:rPr>
+              <a:t>https://stripe.com</a:t>
+            </a:r>
+            <a:r>
+              <a:rPr lang="en-US" dirty="0" smtClean="0">
+                <a:hlinkClick r:id="rId4"/>
+              </a:rPr>
               <a:t>/</a:t>
             </a:r>
-            <a:endParaRPr lang="en-US" altLang="zh-TW" dirty="0" smtClean="0"/>
+            <a:endParaRPr lang="en-US" dirty="0" smtClean="0"/>
+          </a:p>
+          <a:p>
+            <a:r>
+              <a:rPr lang="en-US" altLang="zh-TW" dirty="0" smtClean="0"/>
+              <a:t>Generate &amp; Update the Graph</a:t>
+            </a:r>
+          </a:p>
+          <a:p>
+            <a:pPr lvl="1"/>
+            <a:r>
+              <a:rPr lang="en-US" u="sng" dirty="0" smtClean="0">
+                <a:hlinkClick r:id="rId5"/>
+              </a:rPr>
+              <a:t>https</a:t>
+            </a:r>
+            <a:r>
+              <a:rPr lang="en-US" u="sng" dirty="0">
+                <a:hlinkClick r:id="rId5"/>
+              </a:rPr>
+              <a:t>://</a:t>
+            </a:r>
+            <a:r>
+              <a:rPr lang="en-US" u="sng" dirty="0" smtClean="0">
+                <a:hlinkClick r:id="rId5"/>
+              </a:rPr>
+              <a:t>twitter.com/plotlygraphs/status/1286688715167936512</a:t>
+            </a:r>
+            <a:endParaRPr lang="en-US" u="sng" dirty="0" smtClean="0"/>
+          </a:p>
+          <a:p>
+            <a:r>
+              <a:rPr lang="en-US" dirty="0" smtClean="0"/>
+              <a:t>Others</a:t>
+            </a:r>
+            <a:endParaRPr lang="en-US" dirty="0" smtClean="0">
+              <a:hlinkClick r:id="rId6"/>
+            </a:endParaRPr>
+          </a:p>
+          <a:p>
+            <a:pPr lvl="1"/>
+            <a:r>
+              <a:rPr lang="en-US" u="sng" dirty="0" smtClean="0">
+                <a:hlinkClick r:id="rId6"/>
+              </a:rPr>
+              <a:t>https</a:t>
+            </a:r>
+            <a:r>
+              <a:rPr lang="en-US" u="sng" dirty="0">
+                <a:hlinkClick r:id="rId6"/>
+              </a:rPr>
+              <a:t>://github.com/elyase/awesome-gpt3</a:t>
+            </a:r>
+            <a:endParaRPr lang="en-US" dirty="0"/>
           </a:p>
         </p:txBody>
       </p:sp>
@@ -11398,7 +11395,7 @@
               <a:rPr lang="en-US" altLang="zh-TW" smtClean="0"/>
               <a:t>October, 2020</a:t>
             </a:r>
-            <a:endParaRPr lang="zh-TW" altLang="en-US" dirty="0"/>
+            <a:endParaRPr lang="zh-TW" altLang="en-US"/>
           </a:p>
         </p:txBody>
       </p:sp>
@@ -11440,7 +11437,7 @@
           <a:bodyPr/>
           <a:lstStyle/>
           <a:p>
-            <a:fld id="{CA21FC57-2F32-463F-AC0A-B18DACEEE895}" type="slidenum">
+            <a:fld id="{E689F5F7-6250-42AC-86EC-F0DAF8EB0F02}" type="slidenum">
               <a:rPr lang="zh-TW" altLang="en-US" smtClean="0"/>
               <a:t>30</a:t>
             </a:fld>
@@ -11451,7 +11448,7 @@
     </p:spTree>
     <p:extLst>
       <p:ext uri="{BB962C8B-B14F-4D97-AF65-F5344CB8AC3E}">
-        <p14:creationId xmlns:p14="http://schemas.microsoft.com/office/powerpoint/2010/main" val="1653381168"/>
+        <p14:creationId xmlns:p14="http://schemas.microsoft.com/office/powerpoint/2010/main" val="2941245244"/>
       </p:ext>
     </p:extLst>
   </p:cSld>
@@ -11501,16 +11498,16 @@
           <a:lstStyle/>
           <a:p>
             <a:r>
-              <a:rPr lang="en-US" dirty="0" smtClean="0"/>
-              <a:t>Applications of the GPT-3 Model</a:t>
-            </a:r>
-            <a:endParaRPr lang="en-US" dirty="0"/>
-          </a:p>
-        </p:txBody>
-      </p:sp>
-      <p:sp>
-        <p:nvSpPr>
-          <p:cNvPr id="3" name="文字版面配置區 2"/>
+              <a:rPr lang="en-US" altLang="zh-TW" dirty="0" smtClean="0"/>
+              <a:t>Introduction to Dialog System</a:t>
+            </a:r>
+            <a:endParaRPr lang="zh-TW" altLang="en-US" dirty="0"/>
+          </a:p>
+        </p:txBody>
+      </p:sp>
+      <p:sp>
+        <p:nvSpPr>
+          <p:cNvPr id="7" name="文字版面配置區 6"/>
           <p:cNvSpPr>
             <a:spLocks noGrp="1"/>
           </p:cNvSpPr>
@@ -11523,7 +11520,7 @@
           <a:bodyPr/>
           <a:lstStyle/>
           <a:p>
-            <a:endParaRPr lang="en-US" dirty="0"/>
+            <a:endParaRPr lang="zh-TW" altLang="en-US"/>
           </a:p>
         </p:txBody>
       </p:sp>
@@ -11588,7 +11585,7 @@
           <a:bodyPr/>
           <a:lstStyle/>
           <a:p>
-            <a:fld id="{E689F5F7-6250-42AC-86EC-F0DAF8EB0F02}" type="slidenum">
+            <a:fld id="{CA21FC57-2F32-463F-AC0A-B18DACEEE895}" type="slidenum">
               <a:rPr lang="zh-TW" altLang="en-US" smtClean="0"/>
               <a:t>31</a:t>
             </a:fld>
@@ -11599,7 +11596,7 @@
     </p:spTree>
     <p:extLst>
       <p:ext uri="{BB962C8B-B14F-4D97-AF65-F5344CB8AC3E}">
-        <p14:creationId xmlns:p14="http://schemas.microsoft.com/office/powerpoint/2010/main" val="743761748"/>
+        <p14:creationId xmlns:p14="http://schemas.microsoft.com/office/powerpoint/2010/main" val="919547515"/>
       </p:ext>
     </p:extLst>
   </p:cSld>
@@ -11648,423 +11645,6 @@
           <a:bodyPr/>
           <a:lstStyle/>
           <a:p>
-            <a:endParaRPr lang="en-US" dirty="0"/>
-          </a:p>
-        </p:txBody>
-      </p:sp>
-      <p:sp>
-        <p:nvSpPr>
-          <p:cNvPr id="3" name="內容版面配置區 2"/>
-          <p:cNvSpPr>
-            <a:spLocks noGrp="1"/>
-          </p:cNvSpPr>
-          <p:nvPr>
-            <p:ph idx="1"/>
-          </p:nvPr>
-        </p:nvSpPr>
-        <p:spPr/>
-        <p:txBody>
-          <a:bodyPr/>
-          <a:lstStyle/>
-          <a:p>
-            <a:r>
-              <a:rPr lang="en-US" dirty="0" smtClean="0"/>
-              <a:t>HTML Layout Generation</a:t>
-            </a:r>
-          </a:p>
-          <a:p>
-            <a:pPr lvl="1"/>
-            <a:r>
-              <a:rPr lang="en-US" dirty="0" smtClean="0">
-                <a:hlinkClick r:id=""/>
-              </a:rPr>
-              <a:t>https</a:t>
-            </a:r>
-            <a:r>
-              <a:rPr lang="en-US" dirty="0">
-                <a:hlinkClick r:id="rId2"/>
-              </a:rPr>
-              <a:t>://</a:t>
-            </a:r>
-            <a:r>
-              <a:rPr lang="en-US" dirty="0" smtClean="0">
-                <a:hlinkClick r:id="rId2"/>
-              </a:rPr>
-              <a:t>twitter.com/i/status/1282676454690451457</a:t>
-            </a:r>
-            <a:endParaRPr lang="en-US" dirty="0" smtClean="0"/>
-          </a:p>
-          <a:p>
-            <a:r>
-              <a:rPr lang="en-US" altLang="zh-TW" dirty="0" smtClean="0"/>
-              <a:t>Web Generation</a:t>
-            </a:r>
-            <a:endParaRPr lang="en-US" dirty="0" smtClean="0">
-              <a:hlinkClick r:id="rId3"/>
-            </a:endParaRPr>
-          </a:p>
-          <a:p>
-            <a:pPr lvl="1"/>
-            <a:r>
-              <a:rPr lang="en-US" u="sng" dirty="0" smtClean="0">
-                <a:hlinkClick r:id="rId3"/>
-              </a:rPr>
-              <a:t>https</a:t>
-            </a:r>
-            <a:r>
-              <a:rPr lang="en-US" u="sng" dirty="0">
-                <a:hlinkClick r:id="rId3"/>
-              </a:rPr>
-              <a:t>://</a:t>
-            </a:r>
-            <a:r>
-              <a:rPr lang="en-US" u="sng" dirty="0" smtClean="0">
-                <a:hlinkClick r:id="rId3"/>
-              </a:rPr>
-              <a:t>twitter.com/jsngr/status/1287026808429383680?s=20</a:t>
-            </a:r>
-            <a:endParaRPr lang="en-US" u="sng" dirty="0" smtClean="0"/>
-          </a:p>
-          <a:p>
-            <a:pPr lvl="1"/>
-            <a:r>
-              <a:rPr lang="en-US" dirty="0">
-                <a:hlinkClick r:id="rId4"/>
-              </a:rPr>
-              <a:t>https://stripe.com</a:t>
-            </a:r>
-            <a:r>
-              <a:rPr lang="en-US" dirty="0" smtClean="0">
-                <a:hlinkClick r:id="rId4"/>
-              </a:rPr>
-              <a:t>/</a:t>
-            </a:r>
-            <a:endParaRPr lang="en-US" dirty="0" smtClean="0"/>
-          </a:p>
-          <a:p>
-            <a:r>
-              <a:rPr lang="en-US" altLang="zh-TW" dirty="0" smtClean="0"/>
-              <a:t>Generate &amp; Update the Graph</a:t>
-            </a:r>
-          </a:p>
-          <a:p>
-            <a:pPr lvl="1"/>
-            <a:r>
-              <a:rPr lang="en-US" u="sng" dirty="0" smtClean="0">
-                <a:hlinkClick r:id="rId5"/>
-              </a:rPr>
-              <a:t>https</a:t>
-            </a:r>
-            <a:r>
-              <a:rPr lang="en-US" u="sng" dirty="0">
-                <a:hlinkClick r:id="rId5"/>
-              </a:rPr>
-              <a:t>://</a:t>
-            </a:r>
-            <a:r>
-              <a:rPr lang="en-US" u="sng" dirty="0" smtClean="0">
-                <a:hlinkClick r:id="rId5"/>
-              </a:rPr>
-              <a:t>twitter.com/plotlygraphs/status/1286688715167936512</a:t>
-            </a:r>
-            <a:endParaRPr lang="en-US" u="sng" dirty="0" smtClean="0"/>
-          </a:p>
-          <a:p>
-            <a:r>
-              <a:rPr lang="en-US" dirty="0" smtClean="0"/>
-              <a:t>Others</a:t>
-            </a:r>
-            <a:endParaRPr lang="en-US" dirty="0" smtClean="0">
-              <a:hlinkClick r:id="rId6"/>
-            </a:endParaRPr>
-          </a:p>
-          <a:p>
-            <a:pPr lvl="1"/>
-            <a:r>
-              <a:rPr lang="en-US" u="sng" dirty="0" smtClean="0">
-                <a:hlinkClick r:id="rId6"/>
-              </a:rPr>
-              <a:t>https</a:t>
-            </a:r>
-            <a:r>
-              <a:rPr lang="en-US" u="sng" dirty="0">
-                <a:hlinkClick r:id="rId6"/>
-              </a:rPr>
-              <a:t>://github.com/elyase/awesome-gpt3</a:t>
-            </a:r>
-            <a:endParaRPr lang="en-US" dirty="0"/>
-          </a:p>
-        </p:txBody>
-      </p:sp>
-      <p:sp>
-        <p:nvSpPr>
-          <p:cNvPr id="4" name="日期版面配置區 3"/>
-          <p:cNvSpPr>
-            <a:spLocks noGrp="1"/>
-          </p:cNvSpPr>
-          <p:nvPr>
-            <p:ph type="dt" sz="half" idx="10"/>
-          </p:nvPr>
-        </p:nvSpPr>
-        <p:spPr/>
-        <p:txBody>
-          <a:bodyPr/>
-          <a:lstStyle/>
-          <a:p>
-            <a:r>
-              <a:rPr lang="en-US" altLang="zh-TW" smtClean="0"/>
-              <a:t>October, 2020</a:t>
-            </a:r>
-            <a:endParaRPr lang="zh-TW" altLang="en-US"/>
-          </a:p>
-        </p:txBody>
-      </p:sp>
-      <p:sp>
-        <p:nvSpPr>
-          <p:cNvPr id="5" name="頁尾版面配置區 4"/>
-          <p:cNvSpPr>
-            <a:spLocks noGrp="1"/>
-          </p:cNvSpPr>
-          <p:nvPr>
-            <p:ph type="ftr" sz="quarter" idx="11"/>
-          </p:nvPr>
-        </p:nvSpPr>
-        <p:spPr/>
-        <p:txBody>
-          <a:bodyPr/>
-          <a:lstStyle/>
-          <a:p>
-            <a:r>
-              <a:rPr lang="zh-TW" altLang="en-US" smtClean="0"/>
-              <a:t>國立高雄科技大學建功校區電子工程系</a:t>
-            </a:r>
-            <a:endParaRPr lang="zh-TW" altLang="en-US"/>
-          </a:p>
-        </p:txBody>
-      </p:sp>
-      <p:sp>
-        <p:nvSpPr>
-          <p:cNvPr id="6" name="投影片編號版面配置區 5"/>
-          <p:cNvSpPr>
-            <a:spLocks noGrp="1"/>
-          </p:cNvSpPr>
-          <p:nvPr>
-            <p:ph type="sldNum" sz="quarter" idx="12"/>
-          </p:nvPr>
-        </p:nvSpPr>
-        <p:spPr/>
-        <p:txBody>
-          <a:bodyPr/>
-          <a:lstStyle/>
-          <a:p>
-            <a:fld id="{E689F5F7-6250-42AC-86EC-F0DAF8EB0F02}" type="slidenum">
-              <a:rPr lang="zh-TW" altLang="en-US" smtClean="0"/>
-              <a:t>32</a:t>
-            </a:fld>
-            <a:endParaRPr lang="zh-TW" altLang="en-US"/>
-          </a:p>
-        </p:txBody>
-      </p:sp>
-    </p:spTree>
-    <p:extLst>
-      <p:ext uri="{BB962C8B-B14F-4D97-AF65-F5344CB8AC3E}">
-        <p14:creationId xmlns:p14="http://schemas.microsoft.com/office/powerpoint/2010/main" val="2941245244"/>
-      </p:ext>
-    </p:extLst>
-  </p:cSld>
-  <p:clrMapOvr>
-    <a:masterClrMapping/>
-  </p:clrMapOvr>
-  <p:timing>
-    <p:tnLst>
-      <p:par>
-        <p:cTn id="1" dur="indefinite" restart="never" nodeType="tmRoot"/>
-      </p:par>
-    </p:tnLst>
-  </p:timing>
-</p:sld>
-</file>
-
-<file path=ppt/slides/slide33.xml><?xml version="1.0" encoding="utf-8"?>
-<p:sld xmlns:a="http://schemas.openxmlformats.org/drawingml/2006/main" xmlns:r="http://schemas.openxmlformats.org/officeDocument/2006/relationships" xmlns:p="http://schemas.openxmlformats.org/presentationml/2006/main">
-  <p:cSld>
-    <p:spTree>
-      <p:nvGrpSpPr>
-        <p:cNvPr id="1" name=""/>
-        <p:cNvGrpSpPr/>
-        <p:nvPr/>
-      </p:nvGrpSpPr>
-      <p:grpSpPr>
-        <a:xfrm>
-          <a:off x="0" y="0"/>
-          <a:ext cx="0" cy="0"/>
-          <a:chOff x="0" y="0"/>
-          <a:chExt cx="0" cy="0"/>
-        </a:xfrm>
-      </p:grpSpPr>
-      <p:sp>
-        <p:nvSpPr>
-          <p:cNvPr id="2" name="標題 1"/>
-          <p:cNvSpPr>
-            <a:spLocks noGrp="1"/>
-          </p:cNvSpPr>
-          <p:nvPr>
-            <p:ph type="title"/>
-          </p:nvPr>
-        </p:nvSpPr>
-        <p:spPr/>
-        <p:txBody>
-          <a:bodyPr/>
-          <a:lstStyle/>
-          <a:p>
-            <a:r>
-              <a:rPr lang="en-US" altLang="zh-TW" dirty="0" smtClean="0"/>
-              <a:t>Introduction to Dialog System</a:t>
-            </a:r>
-            <a:endParaRPr lang="zh-TW" altLang="en-US" dirty="0"/>
-          </a:p>
-        </p:txBody>
-      </p:sp>
-      <p:sp>
-        <p:nvSpPr>
-          <p:cNvPr id="7" name="文字版面配置區 6"/>
-          <p:cNvSpPr>
-            <a:spLocks noGrp="1"/>
-          </p:cNvSpPr>
-          <p:nvPr>
-            <p:ph type="body" idx="1"/>
-          </p:nvPr>
-        </p:nvSpPr>
-        <p:spPr/>
-        <p:txBody>
-          <a:bodyPr/>
-          <a:lstStyle/>
-          <a:p>
-            <a:endParaRPr lang="zh-TW" altLang="en-US"/>
-          </a:p>
-        </p:txBody>
-      </p:sp>
-      <p:sp>
-        <p:nvSpPr>
-          <p:cNvPr id="4" name="日期版面配置區 3"/>
-          <p:cNvSpPr>
-            <a:spLocks noGrp="1"/>
-          </p:cNvSpPr>
-          <p:nvPr>
-            <p:ph type="dt" sz="half" idx="10"/>
-          </p:nvPr>
-        </p:nvSpPr>
-        <p:spPr/>
-        <p:txBody>
-          <a:bodyPr/>
-          <a:lstStyle/>
-          <a:p>
-            <a:r>
-              <a:rPr lang="en-US" altLang="zh-TW" smtClean="0"/>
-              <a:t>October, 2020</a:t>
-            </a:r>
-            <a:endParaRPr lang="zh-TW" altLang="en-US"/>
-          </a:p>
-        </p:txBody>
-      </p:sp>
-      <p:sp>
-        <p:nvSpPr>
-          <p:cNvPr id="5" name="頁尾版面配置區 4"/>
-          <p:cNvSpPr>
-            <a:spLocks noGrp="1"/>
-          </p:cNvSpPr>
-          <p:nvPr>
-            <p:ph type="ftr" sz="quarter" idx="11"/>
-          </p:nvPr>
-        </p:nvSpPr>
-        <p:spPr/>
-        <p:txBody>
-          <a:bodyPr/>
-          <a:lstStyle/>
-          <a:p>
-            <a:r>
-              <a:rPr lang="zh-TW" altLang="en-US" smtClean="0"/>
-              <a:t>國立高雄科技大學建功校區電子工程系</a:t>
-            </a:r>
-            <a:endParaRPr lang="zh-TW" altLang="en-US"/>
-          </a:p>
-        </p:txBody>
-      </p:sp>
-      <p:sp>
-        <p:nvSpPr>
-          <p:cNvPr id="6" name="投影片編號版面配置區 5"/>
-          <p:cNvSpPr>
-            <a:spLocks noGrp="1"/>
-          </p:cNvSpPr>
-          <p:nvPr>
-            <p:ph type="sldNum" sz="quarter" idx="12"/>
-          </p:nvPr>
-        </p:nvSpPr>
-        <p:spPr/>
-        <p:txBody>
-          <a:bodyPr/>
-          <a:lstStyle/>
-          <a:p>
-            <a:fld id="{CA21FC57-2F32-463F-AC0A-B18DACEEE895}" type="slidenum">
-              <a:rPr lang="zh-TW" altLang="en-US" smtClean="0"/>
-              <a:t>33</a:t>
-            </a:fld>
-            <a:endParaRPr lang="zh-TW" altLang="en-US"/>
-          </a:p>
-        </p:txBody>
-      </p:sp>
-    </p:spTree>
-    <p:extLst>
-      <p:ext uri="{BB962C8B-B14F-4D97-AF65-F5344CB8AC3E}">
-        <p14:creationId xmlns:p14="http://schemas.microsoft.com/office/powerpoint/2010/main" val="919547515"/>
-      </p:ext>
-    </p:extLst>
-  </p:cSld>
-  <p:clrMapOvr>
-    <a:masterClrMapping/>
-  </p:clrMapOvr>
-  <p:timing>
-    <p:tnLst>
-      <p:par>
-        <p:cTn id="1" dur="indefinite" restart="never" nodeType="tmRoot"/>
-      </p:par>
-    </p:tnLst>
-  </p:timing>
-</p:sld>
-</file>
-
-<file path=ppt/slides/slide34.xml><?xml version="1.0" encoding="utf-8"?>
-<p:sld xmlns:a="http://schemas.openxmlformats.org/drawingml/2006/main" xmlns:r="http://schemas.openxmlformats.org/officeDocument/2006/relationships" xmlns:p="http://schemas.openxmlformats.org/presentationml/2006/main">
-  <p:cSld>
-    <p:spTree>
-      <p:nvGrpSpPr>
-        <p:cNvPr id="1" name=""/>
-        <p:cNvGrpSpPr/>
-        <p:nvPr/>
-      </p:nvGrpSpPr>
-      <p:grpSpPr>
-        <a:xfrm>
-          <a:off x="0" y="0"/>
-          <a:ext cx="0" cy="0"/>
-          <a:chOff x="0" y="0"/>
-          <a:chExt cx="0" cy="0"/>
-        </a:xfrm>
-      </p:grpSpPr>
-      <p:sp>
-        <p:nvSpPr>
-          <p:cNvPr id="2" name="標題 1"/>
-          <p:cNvSpPr>
-            <a:spLocks noGrp="1"/>
-          </p:cNvSpPr>
-          <p:nvPr>
-            <p:ph type="title"/>
-          </p:nvPr>
-        </p:nvSpPr>
-        <p:spPr/>
-        <p:txBody>
-          <a:bodyPr/>
-          <a:lstStyle/>
-          <a:p>
             <a:r>
               <a:rPr lang="en-US" altLang="zh-TW" dirty="0" smtClean="0"/>
               <a:t>Why Dialog System?</a:t>
@@ -12216,7 +11796,7 @@
           <a:p>
             <a:fld id="{CA21FC57-2F32-463F-AC0A-B18DACEEE895}" type="slidenum">
               <a:rPr lang="zh-TW" altLang="en-US" smtClean="0"/>
-              <a:t>34</a:t>
+              <a:t>32</a:t>
             </a:fld>
             <a:endParaRPr lang="zh-TW" altLang="en-US"/>
           </a:p>
@@ -12272,7 +11852,7 @@
 </p:sld>
 </file>
 
-<file path=ppt/slides/slide35.xml><?xml version="1.0" encoding="utf-8"?>
+<file path=ppt/slides/slide33.xml><?xml version="1.0" encoding="utf-8"?>
 <p:sld xmlns:a="http://schemas.openxmlformats.org/drawingml/2006/main" xmlns:r="http://schemas.openxmlformats.org/officeDocument/2006/relationships" xmlns:p="http://schemas.openxmlformats.org/presentationml/2006/main">
   <p:cSld>
     <p:spTree>
@@ -12411,7 +11991,7 @@
           <a:p>
             <a:fld id="{CA21FC57-2F32-463F-AC0A-B18DACEEE895}" type="slidenum">
               <a:rPr lang="zh-TW" altLang="en-US" smtClean="0"/>
-              <a:t>35</a:t>
+              <a:t>33</a:t>
             </a:fld>
             <a:endParaRPr lang="zh-TW" altLang="en-US"/>
           </a:p>
@@ -12437,7 +12017,7 @@
 </p:sld>
 </file>
 
-<file path=ppt/slides/slide36.xml><?xml version="1.0" encoding="utf-8"?>
+<file path=ppt/slides/slide34.xml><?xml version="1.0" encoding="utf-8"?>
 <p:sld xmlns:a="http://schemas.openxmlformats.org/drawingml/2006/main" xmlns:r="http://schemas.openxmlformats.org/officeDocument/2006/relationships" xmlns:p="http://schemas.openxmlformats.org/presentationml/2006/main">
   <p:cSld>
     <p:spTree>
@@ -12548,7 +12128,7 @@
           <a:p>
             <a:fld id="{CA21FC57-2F32-463F-AC0A-B18DACEEE895}" type="slidenum">
               <a:rPr lang="zh-TW" altLang="en-US" smtClean="0"/>
-              <a:t>36</a:t>
+              <a:t>34</a:t>
             </a:fld>
             <a:endParaRPr lang="zh-TW" altLang="en-US"/>
           </a:p>
@@ -12686,7 +12266,7 @@
 </p:sld>
 </file>
 
-<file path=ppt/slides/slide37.xml><?xml version="1.0" encoding="utf-8"?>
+<file path=ppt/slides/slide35.xml><?xml version="1.0" encoding="utf-8"?>
 <p:sld xmlns:a="http://schemas.openxmlformats.org/drawingml/2006/main" xmlns:r="http://schemas.openxmlformats.org/officeDocument/2006/relationships" xmlns:p="http://schemas.openxmlformats.org/presentationml/2006/main">
   <p:cSld>
     <p:spTree>
@@ -12859,7 +12439,7 @@
           <a:p>
             <a:fld id="{CA21FC57-2F32-463F-AC0A-B18DACEEE895}" type="slidenum">
               <a:rPr lang="zh-TW" altLang="en-US" smtClean="0"/>
-              <a:t>37</a:t>
+              <a:t>35</a:t>
             </a:fld>
             <a:endParaRPr lang="zh-TW" altLang="en-US"/>
           </a:p>
@@ -13293,6 +12873,505 @@
     <p:extLst>
       <p:ext uri="{BB962C8B-B14F-4D97-AF65-F5344CB8AC3E}">
         <p14:creationId xmlns:p14="http://schemas.microsoft.com/office/powerpoint/2010/main" val="3830934979"/>
+      </p:ext>
+    </p:extLst>
+  </p:cSld>
+  <p:clrMapOvr>
+    <a:masterClrMapping/>
+  </p:clrMapOvr>
+  <p:timing>
+    <p:tnLst>
+      <p:par>
+        <p:cTn id="1" dur="indefinite" restart="never" nodeType="tmRoot"/>
+      </p:par>
+    </p:tnLst>
+  </p:timing>
+</p:sld>
+</file>
+
+<file path=ppt/slides/slide36.xml><?xml version="1.0" encoding="utf-8"?>
+<p:sld xmlns:a="http://schemas.openxmlformats.org/drawingml/2006/main" xmlns:r="http://schemas.openxmlformats.org/officeDocument/2006/relationships" xmlns:p="http://schemas.openxmlformats.org/presentationml/2006/main">
+  <p:cSld>
+    <p:spTree>
+      <p:nvGrpSpPr>
+        <p:cNvPr id="1" name=""/>
+        <p:cNvGrpSpPr/>
+        <p:nvPr/>
+      </p:nvGrpSpPr>
+      <p:grpSpPr>
+        <a:xfrm>
+          <a:off x="0" y="0"/>
+          <a:ext cx="0" cy="0"/>
+          <a:chOff x="0" y="0"/>
+          <a:chExt cx="0" cy="0"/>
+        </a:xfrm>
+      </p:grpSpPr>
+      <p:sp>
+        <p:nvSpPr>
+          <p:cNvPr id="2" name="標題 1"/>
+          <p:cNvSpPr>
+            <a:spLocks noGrp="1"/>
+          </p:cNvSpPr>
+          <p:nvPr>
+            <p:ph type="title"/>
+          </p:nvPr>
+        </p:nvSpPr>
+        <p:spPr/>
+        <p:txBody>
+          <a:bodyPr/>
+          <a:lstStyle/>
+          <a:p>
+            <a:r>
+              <a:rPr lang="en-US" altLang="zh-TW" dirty="0" smtClean="0"/>
+              <a:t>Dialog System Example</a:t>
+            </a:r>
+            <a:endParaRPr lang="zh-TW" altLang="en-US" dirty="0"/>
+          </a:p>
+        </p:txBody>
+      </p:sp>
+      <p:sp>
+        <p:nvSpPr>
+          <p:cNvPr id="3" name="內容版面配置區 2"/>
+          <p:cNvSpPr>
+            <a:spLocks noGrp="1"/>
+          </p:cNvSpPr>
+          <p:nvPr>
+            <p:ph idx="1"/>
+          </p:nvPr>
+        </p:nvSpPr>
+        <p:spPr/>
+        <p:txBody>
+          <a:bodyPr>
+            <a:normAutofit fontScale="92500" lnSpcReduction="10000"/>
+          </a:bodyPr>
+          <a:lstStyle/>
+          <a:p>
+            <a:r>
+              <a:rPr lang="en-US" altLang="zh-TW" dirty="0" smtClean="0"/>
+              <a:t>I would like to book a HSR ticket </a:t>
+            </a:r>
+            <a:r>
+              <a:rPr lang="en-US" altLang="zh-TW" dirty="0"/>
+              <a:t>from </a:t>
+            </a:r>
+            <a:r>
+              <a:rPr lang="en-US" altLang="zh-TW" dirty="0" smtClean="0"/>
+              <a:t>Kaohsiung to </a:t>
+            </a:r>
+            <a:r>
+              <a:rPr lang="en-US" altLang="zh-TW" dirty="0" err="1" smtClean="0"/>
+              <a:t>Nangang</a:t>
+            </a:r>
+            <a:r>
+              <a:rPr lang="en-US" altLang="zh-TW" dirty="0" smtClean="0"/>
+              <a:t>. </a:t>
+            </a:r>
+            <a:endParaRPr lang="en-US" altLang="zh-TW" dirty="0"/>
+          </a:p>
+          <a:p>
+            <a:r>
+              <a:rPr lang="en-US" altLang="zh-TW" dirty="0" smtClean="0"/>
+              <a:t>Domain </a:t>
+            </a:r>
+          </a:p>
+          <a:p>
+            <a:pPr lvl="1">
+              <a:buFont typeface="Wingdings" panose="05000000000000000000" pitchFamily="2" charset="2"/>
+              <a:buChar char="Ø"/>
+            </a:pPr>
+            <a:r>
+              <a:rPr lang="en-US" altLang="zh-TW" dirty="0" smtClean="0"/>
+              <a:t> HSR</a:t>
+            </a:r>
+          </a:p>
+          <a:p>
+            <a:r>
+              <a:rPr lang="en-US" altLang="zh-TW" dirty="0" smtClean="0"/>
+              <a:t>Intent</a:t>
+            </a:r>
+          </a:p>
+          <a:p>
+            <a:pPr lvl="1">
+              <a:buFont typeface="Wingdings" panose="05000000000000000000" pitchFamily="2" charset="2"/>
+              <a:buChar char="Ø"/>
+            </a:pPr>
+            <a:r>
+              <a:rPr lang="en-US" altLang="zh-TW" dirty="0" smtClean="0"/>
+              <a:t> Book a Ticket</a:t>
+            </a:r>
+          </a:p>
+          <a:p>
+            <a:r>
+              <a:rPr lang="en-US" altLang="zh-TW" dirty="0" smtClean="0"/>
+              <a:t>Slot-Filling</a:t>
+            </a:r>
+          </a:p>
+          <a:p>
+            <a:pPr marL="457200" lvl="1" indent="0">
+              <a:buNone/>
+            </a:pPr>
+            <a:r>
+              <a:rPr lang="en-US" altLang="zh-TW" dirty="0" smtClean="0"/>
+              <a:t>     o  </a:t>
+            </a:r>
+            <a:r>
+              <a:rPr lang="en-US" altLang="zh-TW" dirty="0" err="1" smtClean="0"/>
+              <a:t>o</a:t>
+            </a:r>
+            <a:r>
+              <a:rPr lang="en-US" altLang="zh-TW" dirty="0" smtClean="0"/>
+              <a:t>          </a:t>
+            </a:r>
+            <a:r>
+              <a:rPr lang="en-US" altLang="zh-TW" dirty="0" err="1" smtClean="0"/>
+              <a:t>o</a:t>
+            </a:r>
+            <a:r>
+              <a:rPr lang="en-US" altLang="zh-TW" dirty="0" smtClean="0"/>
+              <a:t>    </a:t>
+            </a:r>
+            <a:r>
+              <a:rPr lang="en-US" altLang="zh-TW" dirty="0" err="1" smtClean="0"/>
+              <a:t>o</a:t>
+            </a:r>
+            <a:r>
+              <a:rPr lang="en-US" altLang="zh-TW" dirty="0" smtClean="0"/>
+              <a:t>    </a:t>
+            </a:r>
+            <a:r>
+              <a:rPr lang="en-US" altLang="zh-TW" dirty="0" err="1" smtClean="0"/>
+              <a:t>o</a:t>
+            </a:r>
+            <a:r>
+              <a:rPr lang="en-US" altLang="zh-TW" dirty="0" smtClean="0"/>
+              <a:t>     </a:t>
+            </a:r>
+            <a:r>
+              <a:rPr lang="en-US" altLang="zh-TW" dirty="0" err="1" smtClean="0"/>
+              <a:t>o</a:t>
+            </a:r>
+            <a:r>
+              <a:rPr lang="en-US" altLang="zh-TW" dirty="0" smtClean="0"/>
+              <a:t>   </a:t>
+            </a:r>
+            <a:r>
+              <a:rPr lang="en-US" altLang="zh-TW" dirty="0" err="1" smtClean="0"/>
+              <a:t>o</a:t>
+            </a:r>
+            <a:r>
+              <a:rPr lang="en-US" altLang="zh-TW" dirty="0" smtClean="0"/>
+              <a:t>      </a:t>
+            </a:r>
+            <a:r>
+              <a:rPr lang="en-US" altLang="zh-TW" dirty="0" err="1" smtClean="0"/>
+              <a:t>o</a:t>
+            </a:r>
+            <a:r>
+              <a:rPr lang="en-US" altLang="zh-TW" dirty="0" smtClean="0"/>
+              <a:t>       B-Depart  I-Depart      B-Destination   </a:t>
+            </a:r>
+            <a:r>
+              <a:rPr lang="en-US" altLang="zh-TW" dirty="0"/>
+              <a:t>I</a:t>
+            </a:r>
+            <a:r>
+              <a:rPr lang="en-US" altLang="zh-TW" dirty="0" smtClean="0"/>
+              <a:t>-Destination</a:t>
+            </a:r>
+          </a:p>
+          <a:p>
+            <a:pPr lvl="1">
+              <a:buFont typeface="Wingdings" panose="05000000000000000000" pitchFamily="2" charset="2"/>
+              <a:buChar char="Ø"/>
+            </a:pPr>
+            <a:r>
+              <a:rPr lang="en-US" altLang="zh-TW" dirty="0" smtClean="0"/>
+              <a:t> I  would </a:t>
+            </a:r>
+            <a:r>
+              <a:rPr lang="en-US" altLang="zh-TW" dirty="0"/>
+              <a:t>like to book a HSR ticket from </a:t>
+            </a:r>
+            <a:r>
+              <a:rPr lang="en-US" altLang="zh-TW" dirty="0" smtClean="0"/>
+              <a:t>        Kaohsiung   to                        </a:t>
+            </a:r>
+            <a:r>
+              <a:rPr lang="en-US" altLang="zh-TW" dirty="0" err="1" smtClean="0"/>
+              <a:t>Nangang</a:t>
+            </a:r>
+            <a:r>
+              <a:rPr lang="en-US" altLang="zh-TW" dirty="0" smtClean="0"/>
+              <a:t>          </a:t>
+            </a:r>
+          </a:p>
+          <a:p>
+            <a:r>
+              <a:rPr lang="en-US" altLang="zh-TW" dirty="0"/>
+              <a:t>Dialog State Tracking</a:t>
+            </a:r>
+          </a:p>
+          <a:p>
+            <a:pPr lvl="1">
+              <a:buFont typeface="Wingdings" panose="05000000000000000000" pitchFamily="2" charset="2"/>
+              <a:buChar char="Ø"/>
+            </a:pPr>
+            <a:r>
+              <a:rPr lang="en-US" altLang="zh-TW" dirty="0" smtClean="0"/>
+              <a:t> Place</a:t>
+            </a:r>
+          </a:p>
+          <a:p>
+            <a:r>
+              <a:rPr lang="en-US" altLang="zh-TW" dirty="0"/>
+              <a:t>Dialog Policy for Agent Action</a:t>
+            </a:r>
+          </a:p>
+          <a:p>
+            <a:pPr lvl="1">
+              <a:buFont typeface="Wingdings" panose="05000000000000000000" pitchFamily="2" charset="2"/>
+              <a:buChar char="Ø"/>
+            </a:pPr>
+            <a:r>
+              <a:rPr lang="en-US" altLang="zh-TW" dirty="0" smtClean="0"/>
+              <a:t> We have place but we don’t know the preference of seat, departure time etc. The system may return a question which is “what </a:t>
+            </a:r>
+            <a:r>
+              <a:rPr lang="en-US" altLang="zh-TW" smtClean="0"/>
+              <a:t>time do </a:t>
+            </a:r>
+            <a:r>
+              <a:rPr lang="en-US" altLang="zh-TW" dirty="0" smtClean="0"/>
+              <a:t>you depart?” </a:t>
+            </a:r>
+          </a:p>
+          <a:p>
+            <a:pPr lvl="1"/>
+            <a:endParaRPr lang="zh-TW" altLang="en-US" dirty="0"/>
+          </a:p>
+        </p:txBody>
+      </p:sp>
+      <p:sp>
+        <p:nvSpPr>
+          <p:cNvPr id="4" name="日期版面配置區 3"/>
+          <p:cNvSpPr>
+            <a:spLocks noGrp="1"/>
+          </p:cNvSpPr>
+          <p:nvPr>
+            <p:ph type="dt" sz="half" idx="10"/>
+          </p:nvPr>
+        </p:nvSpPr>
+        <p:spPr/>
+        <p:txBody>
+          <a:bodyPr/>
+          <a:lstStyle/>
+          <a:p>
+            <a:r>
+              <a:rPr lang="en-US" altLang="zh-TW" smtClean="0"/>
+              <a:t>October, 2020</a:t>
+            </a:r>
+            <a:endParaRPr lang="zh-TW" altLang="en-US"/>
+          </a:p>
+        </p:txBody>
+      </p:sp>
+      <p:sp>
+        <p:nvSpPr>
+          <p:cNvPr id="5" name="頁尾版面配置區 4"/>
+          <p:cNvSpPr>
+            <a:spLocks noGrp="1"/>
+          </p:cNvSpPr>
+          <p:nvPr>
+            <p:ph type="ftr" sz="quarter" idx="11"/>
+          </p:nvPr>
+        </p:nvSpPr>
+        <p:spPr/>
+        <p:txBody>
+          <a:bodyPr/>
+          <a:lstStyle/>
+          <a:p>
+            <a:r>
+              <a:rPr lang="zh-TW" altLang="en-US" smtClean="0"/>
+              <a:t>國立高雄科技大學建功校區電子工程系</a:t>
+            </a:r>
+            <a:endParaRPr lang="zh-TW" altLang="en-US"/>
+          </a:p>
+        </p:txBody>
+      </p:sp>
+      <p:sp>
+        <p:nvSpPr>
+          <p:cNvPr id="6" name="投影片編號版面配置區 5"/>
+          <p:cNvSpPr>
+            <a:spLocks noGrp="1"/>
+          </p:cNvSpPr>
+          <p:nvPr>
+            <p:ph type="sldNum" sz="quarter" idx="12"/>
+          </p:nvPr>
+        </p:nvSpPr>
+        <p:spPr/>
+        <p:txBody>
+          <a:bodyPr/>
+          <a:lstStyle/>
+          <a:p>
+            <a:fld id="{CA21FC57-2F32-463F-AC0A-B18DACEEE895}" type="slidenum">
+              <a:rPr lang="zh-TW" altLang="en-US" smtClean="0"/>
+              <a:t>36</a:t>
+            </a:fld>
+            <a:endParaRPr lang="zh-TW" altLang="en-US"/>
+          </a:p>
+        </p:txBody>
+      </p:sp>
+    </p:spTree>
+    <p:extLst>
+      <p:ext uri="{BB962C8B-B14F-4D97-AF65-F5344CB8AC3E}">
+        <p14:creationId xmlns:p14="http://schemas.microsoft.com/office/powerpoint/2010/main" val="1568686110"/>
+      </p:ext>
+    </p:extLst>
+  </p:cSld>
+  <p:clrMapOvr>
+    <a:masterClrMapping/>
+  </p:clrMapOvr>
+  <p:timing>
+    <p:tnLst>
+      <p:par>
+        <p:cTn id="1" dur="indefinite" restart="never" nodeType="tmRoot"/>
+      </p:par>
+    </p:tnLst>
+  </p:timing>
+</p:sld>
+</file>
+
+<file path=ppt/slides/slide37.xml><?xml version="1.0" encoding="utf-8"?>
+<p:sld xmlns:a="http://schemas.openxmlformats.org/drawingml/2006/main" xmlns:r="http://schemas.openxmlformats.org/officeDocument/2006/relationships" xmlns:p="http://schemas.openxmlformats.org/presentationml/2006/main">
+  <p:cSld>
+    <p:spTree>
+      <p:nvGrpSpPr>
+        <p:cNvPr id="1" name=""/>
+        <p:cNvGrpSpPr/>
+        <p:nvPr/>
+      </p:nvGrpSpPr>
+      <p:grpSpPr>
+        <a:xfrm>
+          <a:off x="0" y="0"/>
+          <a:ext cx="0" cy="0"/>
+          <a:chOff x="0" y="0"/>
+          <a:chExt cx="0" cy="0"/>
+        </a:xfrm>
+      </p:grpSpPr>
+      <p:sp>
+        <p:nvSpPr>
+          <p:cNvPr id="2" name="標題 1"/>
+          <p:cNvSpPr>
+            <a:spLocks noGrp="1"/>
+          </p:cNvSpPr>
+          <p:nvPr>
+            <p:ph type="title"/>
+          </p:nvPr>
+        </p:nvSpPr>
+        <p:spPr/>
+        <p:txBody>
+          <a:bodyPr/>
+          <a:lstStyle/>
+          <a:p>
+            <a:r>
+              <a:rPr lang="en-US" altLang="zh-TW" dirty="0" smtClean="0"/>
+              <a:t>Regular Expression</a:t>
+            </a:r>
+            <a:endParaRPr lang="zh-TW" altLang="en-US" dirty="0"/>
+          </a:p>
+        </p:txBody>
+      </p:sp>
+      <p:sp>
+        <p:nvSpPr>
+          <p:cNvPr id="7" name="文字版面配置區 6"/>
+          <p:cNvSpPr>
+            <a:spLocks noGrp="1"/>
+          </p:cNvSpPr>
+          <p:nvPr>
+            <p:ph type="body" idx="1"/>
+          </p:nvPr>
+        </p:nvSpPr>
+        <p:spPr/>
+        <p:txBody>
+          <a:bodyPr/>
+          <a:lstStyle/>
+          <a:p>
+            <a:endParaRPr lang="zh-TW" altLang="en-US" dirty="0"/>
+          </a:p>
+        </p:txBody>
+      </p:sp>
+      <p:sp>
+        <p:nvSpPr>
+          <p:cNvPr id="4" name="日期版面配置區 3"/>
+          <p:cNvSpPr>
+            <a:spLocks noGrp="1"/>
+          </p:cNvSpPr>
+          <p:nvPr>
+            <p:ph type="dt" sz="half" idx="10"/>
+          </p:nvPr>
+        </p:nvSpPr>
+        <p:spPr/>
+        <p:txBody>
+          <a:bodyPr/>
+          <a:lstStyle/>
+          <a:p>
+            <a:r>
+              <a:rPr lang="en-US" altLang="zh-TW" smtClean="0"/>
+              <a:t>October, 2020</a:t>
+            </a:r>
+            <a:endParaRPr lang="zh-TW" altLang="en-US"/>
+          </a:p>
+        </p:txBody>
+      </p:sp>
+      <p:sp>
+        <p:nvSpPr>
+          <p:cNvPr id="5" name="頁尾版面配置區 4"/>
+          <p:cNvSpPr>
+            <a:spLocks noGrp="1"/>
+          </p:cNvSpPr>
+          <p:nvPr>
+            <p:ph type="ftr" sz="quarter" idx="11"/>
+          </p:nvPr>
+        </p:nvSpPr>
+        <p:spPr/>
+        <p:txBody>
+          <a:bodyPr/>
+          <a:lstStyle/>
+          <a:p>
+            <a:r>
+              <a:rPr lang="zh-TW" altLang="en-US" smtClean="0"/>
+              <a:t>國立高雄科技大學建功校區電子工程系</a:t>
+            </a:r>
+            <a:endParaRPr lang="zh-TW" altLang="en-US"/>
+          </a:p>
+        </p:txBody>
+      </p:sp>
+      <p:sp>
+        <p:nvSpPr>
+          <p:cNvPr id="6" name="投影片編號版面配置區 5"/>
+          <p:cNvSpPr>
+            <a:spLocks noGrp="1"/>
+          </p:cNvSpPr>
+          <p:nvPr>
+            <p:ph type="sldNum" sz="quarter" idx="12"/>
+          </p:nvPr>
+        </p:nvSpPr>
+        <p:spPr/>
+        <p:txBody>
+          <a:bodyPr/>
+          <a:lstStyle/>
+          <a:p>
+            <a:fld id="{CA21FC57-2F32-463F-AC0A-B18DACEEE895}" type="slidenum">
+              <a:rPr lang="zh-TW" altLang="en-US" smtClean="0"/>
+              <a:t>37</a:t>
+            </a:fld>
+            <a:endParaRPr lang="zh-TW" altLang="en-US"/>
+          </a:p>
+        </p:txBody>
+      </p:sp>
+    </p:spTree>
+    <p:extLst>
+      <p:ext uri="{BB962C8B-B14F-4D97-AF65-F5344CB8AC3E}">
+        <p14:creationId xmlns:p14="http://schemas.microsoft.com/office/powerpoint/2010/main" val="3720503342"/>
       </p:ext>
     </p:extLst>
   </p:cSld>
@@ -13342,231 +13421,38 @@
           <a:lstStyle/>
           <a:p>
             <a:r>
+              <a:rPr lang="en-US" altLang="zh-TW" dirty="0"/>
+              <a:t>What is regular expression?</a:t>
+            </a:r>
+            <a:endParaRPr lang="zh-TW" altLang="en-US" dirty="0"/>
+          </a:p>
+        </p:txBody>
+      </p:sp>
+      <p:sp>
+        <p:nvSpPr>
+          <p:cNvPr id="3" name="內容版面配置區 2"/>
+          <p:cNvSpPr>
+            <a:spLocks noGrp="1"/>
+          </p:cNvSpPr>
+          <p:nvPr>
+            <p:ph idx="1"/>
+          </p:nvPr>
+        </p:nvSpPr>
+        <p:spPr/>
+        <p:txBody>
+          <a:bodyPr/>
+          <a:lstStyle/>
+          <a:p>
+            <a:r>
               <a:rPr lang="en-US" altLang="zh-TW" dirty="0" smtClean="0"/>
-              <a:t>Dialog System Example</a:t>
-            </a:r>
-            <a:endParaRPr lang="zh-TW" altLang="en-US" dirty="0"/>
-          </a:p>
-        </p:txBody>
-      </p:sp>
-      <p:sp>
-        <p:nvSpPr>
-          <p:cNvPr id="3" name="內容版面配置區 2"/>
-          <p:cNvSpPr>
-            <a:spLocks noGrp="1"/>
-          </p:cNvSpPr>
-          <p:nvPr>
-            <p:ph idx="1"/>
-          </p:nvPr>
-        </p:nvSpPr>
-        <p:spPr/>
-        <p:txBody>
-          <a:bodyPr>
-            <a:normAutofit fontScale="92500" lnSpcReduction="10000"/>
-          </a:bodyPr>
-          <a:lstStyle/>
+              <a:t>Write a rule to match the words.</a:t>
+            </a:r>
+          </a:p>
           <a:p>
             <a:r>
               <a:rPr lang="en-US" altLang="zh-TW" dirty="0" smtClean="0"/>
-              <a:t>I would like to book a HSR ticket </a:t>
-            </a:r>
-            <a:r>
-              <a:rPr lang="en-US" altLang="zh-TW" dirty="0"/>
-              <a:t>from </a:t>
-            </a:r>
-            <a:r>
-              <a:rPr lang="en-US" altLang="zh-TW" dirty="0" smtClean="0"/>
-              <a:t>Kaohsiung to </a:t>
-            </a:r>
-            <a:r>
-              <a:rPr lang="en-US" altLang="zh-TW" dirty="0" err="1" smtClean="0"/>
-              <a:t>Nangang</a:t>
-            </a:r>
-            <a:r>
-              <a:rPr lang="en-US" altLang="zh-TW" dirty="0" smtClean="0"/>
-              <a:t>. </a:t>
-            </a:r>
-            <a:endParaRPr lang="en-US" altLang="zh-TW" dirty="0"/>
-          </a:p>
-          <a:p>
-            <a:r>
-              <a:rPr lang="en-US" altLang="zh-TW" dirty="0" smtClean="0"/>
-              <a:t>Domain </a:t>
-            </a:r>
-          </a:p>
-          <a:p>
-            <a:pPr lvl="1">
-              <a:buFont typeface="Wingdings" panose="05000000000000000000" pitchFamily="2" charset="2"/>
-              <a:buChar char="Ø"/>
-            </a:pPr>
-            <a:r>
-              <a:rPr lang="en-US" altLang="zh-TW" dirty="0" smtClean="0"/>
-              <a:t> HSR</a:t>
-            </a:r>
-          </a:p>
-          <a:p>
-            <a:r>
-              <a:rPr lang="en-US" altLang="zh-TW" dirty="0" smtClean="0"/>
-              <a:t>Intent</a:t>
-            </a:r>
-          </a:p>
-          <a:p>
-            <a:pPr lvl="1">
-              <a:buFont typeface="Wingdings" panose="05000000000000000000" pitchFamily="2" charset="2"/>
-              <a:buChar char="Ø"/>
-            </a:pPr>
-            <a:r>
-              <a:rPr lang="en-US" altLang="zh-TW" dirty="0" smtClean="0"/>
-              <a:t> Book a Ticket</a:t>
-            </a:r>
-          </a:p>
-          <a:p>
-            <a:r>
-              <a:rPr lang="en-US" altLang="zh-TW" dirty="0" smtClean="0"/>
-              <a:t>Slot-Filling</a:t>
-            </a:r>
-          </a:p>
-          <a:p>
-            <a:pPr marL="457200" lvl="1" indent="0">
-              <a:buNone/>
-            </a:pPr>
-            <a:r>
-              <a:rPr lang="en-US" altLang="zh-TW" dirty="0" smtClean="0"/>
-              <a:t>     o  </a:t>
-            </a:r>
-            <a:r>
-              <a:rPr lang="en-US" altLang="zh-TW" dirty="0" err="1" smtClean="0"/>
-              <a:t>o</a:t>
-            </a:r>
-            <a:r>
-              <a:rPr lang="en-US" altLang="zh-TW" dirty="0" smtClean="0"/>
-              <a:t>          </a:t>
-            </a:r>
-            <a:r>
-              <a:rPr lang="en-US" altLang="zh-TW" dirty="0" err="1" smtClean="0"/>
-              <a:t>o</a:t>
-            </a:r>
-            <a:r>
-              <a:rPr lang="en-US" altLang="zh-TW" dirty="0" smtClean="0"/>
-              <a:t>    </a:t>
-            </a:r>
-            <a:r>
-              <a:rPr lang="en-US" altLang="zh-TW" dirty="0" err="1" smtClean="0"/>
-              <a:t>o</a:t>
-            </a:r>
-            <a:r>
-              <a:rPr lang="en-US" altLang="zh-TW" dirty="0" smtClean="0"/>
-              <a:t>    </a:t>
-            </a:r>
-            <a:r>
-              <a:rPr lang="en-US" altLang="zh-TW" dirty="0" err="1" smtClean="0"/>
-              <a:t>o</a:t>
-            </a:r>
-            <a:r>
-              <a:rPr lang="en-US" altLang="zh-TW" dirty="0" smtClean="0"/>
-              <a:t>     </a:t>
-            </a:r>
-            <a:r>
-              <a:rPr lang="en-US" altLang="zh-TW" dirty="0" err="1" smtClean="0"/>
-              <a:t>o</a:t>
-            </a:r>
-            <a:r>
-              <a:rPr lang="en-US" altLang="zh-TW" dirty="0" smtClean="0"/>
-              <a:t>   </a:t>
-            </a:r>
-            <a:r>
-              <a:rPr lang="en-US" altLang="zh-TW" dirty="0" err="1" smtClean="0"/>
-              <a:t>o</a:t>
-            </a:r>
-            <a:r>
-              <a:rPr lang="en-US" altLang="zh-TW" dirty="0" smtClean="0"/>
-              <a:t>      </a:t>
-            </a:r>
-            <a:r>
-              <a:rPr lang="en-US" altLang="zh-TW" dirty="0" err="1" smtClean="0"/>
-              <a:t>o</a:t>
-            </a:r>
-            <a:r>
-              <a:rPr lang="en-US" altLang="zh-TW" dirty="0" smtClean="0"/>
-              <a:t>       B-Depart  I-Depart      B-Destination   </a:t>
-            </a:r>
-            <a:r>
-              <a:rPr lang="en-US" altLang="zh-TW" dirty="0"/>
-              <a:t>I</a:t>
-            </a:r>
-            <a:r>
-              <a:rPr lang="en-US" altLang="zh-TW" dirty="0" smtClean="0"/>
-              <a:t>-Destination</a:t>
-            </a:r>
-          </a:p>
-          <a:p>
-            <a:pPr lvl="1">
-              <a:buFont typeface="Wingdings" panose="05000000000000000000" pitchFamily="2" charset="2"/>
-              <a:buChar char="Ø"/>
-            </a:pPr>
-            <a:r>
-              <a:rPr lang="en-US" altLang="zh-TW" dirty="0" smtClean="0"/>
-              <a:t> I  would </a:t>
-            </a:r>
-            <a:r>
-              <a:rPr lang="en-US" altLang="zh-TW" dirty="0"/>
-              <a:t>like to book a HSR ticket from </a:t>
-            </a:r>
-            <a:r>
-              <a:rPr lang="en-US" altLang="zh-TW" dirty="0" smtClean="0"/>
-              <a:t>        Kaohsiung   to                        </a:t>
-            </a:r>
-            <a:r>
-              <a:rPr lang="en-US" altLang="zh-TW" dirty="0" err="1" smtClean="0"/>
-              <a:t>Nangang</a:t>
-            </a:r>
-            <a:r>
-              <a:rPr lang="en-US" altLang="zh-TW" dirty="0" smtClean="0"/>
-              <a:t>          </a:t>
-            </a:r>
-          </a:p>
-          <a:p>
-            <a:r>
-              <a:rPr lang="en-US" altLang="zh-TW" dirty="0"/>
-              <a:t>Dialog State Tracking</a:t>
-            </a:r>
-          </a:p>
-          <a:p>
-            <a:pPr lvl="1">
-              <a:buFont typeface="Wingdings" panose="05000000000000000000" pitchFamily="2" charset="2"/>
-              <a:buChar char="Ø"/>
-            </a:pPr>
-            <a:r>
-              <a:rPr lang="en-US" altLang="zh-TW" dirty="0" smtClean="0"/>
-              <a:t> Place</a:t>
-            </a:r>
-          </a:p>
-          <a:p>
-            <a:r>
-              <a:rPr lang="en-US" altLang="zh-TW" dirty="0"/>
-              <a:t>Dialog Policy for Agent Action</a:t>
-            </a:r>
-          </a:p>
-          <a:p>
-            <a:pPr lvl="1">
-              <a:buFont typeface="Wingdings" panose="05000000000000000000" pitchFamily="2" charset="2"/>
-              <a:buChar char="Ø"/>
-            </a:pPr>
-            <a:r>
-              <a:rPr lang="en-US" altLang="zh-TW" dirty="0" smtClean="0"/>
-              <a:t> We have place but we don’t know the preference of seat, departure time etc. The system may return a question which is “what </a:t>
-            </a:r>
-            <a:r>
-              <a:rPr lang="en-US" altLang="zh-TW" smtClean="0"/>
-              <a:t>time do </a:t>
-            </a:r>
-            <a:r>
-              <a:rPr lang="en-US" altLang="zh-TW" dirty="0" smtClean="0"/>
-              <a:t>you depart?” </a:t>
-            </a:r>
-          </a:p>
-          <a:p>
-            <a:pPr lvl="1"/>
+              <a:t>There are many editors allowing to search the text by using regular expression.</a:t>
+            </a:r>
             <a:endParaRPr lang="zh-TW" altLang="en-US" dirty="0"/>
           </a:p>
         </p:txBody>
@@ -13643,7 +13529,7 @@
     </p:spTree>
     <p:extLst>
       <p:ext uri="{BB962C8B-B14F-4D97-AF65-F5344CB8AC3E}">
-        <p14:creationId xmlns:p14="http://schemas.microsoft.com/office/powerpoint/2010/main" val="1568686110"/>
+        <p14:creationId xmlns:p14="http://schemas.microsoft.com/office/powerpoint/2010/main" val="2071329512"/>
       </p:ext>
     </p:extLst>
   </p:cSld>
@@ -13693,8 +13579,8 @@
           <a:lstStyle/>
           <a:p>
             <a:r>
-              <a:rPr lang="en-US" altLang="zh-TW" dirty="0" smtClean="0"/>
-              <a:t>Regular Expression</a:t>
+              <a:rPr lang="zh-TW" altLang="en-US" dirty="0" smtClean="0"/>
+              <a:t>基本正規表示式介紹</a:t>
             </a:r>
             <a:endParaRPr lang="zh-TW" altLang="en-US" dirty="0"/>
           </a:p>
@@ -13702,20 +13588,147 @@
       </p:sp>
       <p:sp>
         <p:nvSpPr>
-          <p:cNvPr id="7" name="文字版面配置區 6"/>
-          <p:cNvSpPr>
-            <a:spLocks noGrp="1"/>
-          </p:cNvSpPr>
-          <p:nvPr>
-            <p:ph type="body" idx="1"/>
-          </p:nvPr>
-        </p:nvSpPr>
-        <p:spPr/>
-        <p:txBody>
-          <a:bodyPr/>
-          <a:lstStyle/>
-          <a:p>
-            <a:endParaRPr lang="zh-TW" altLang="en-US" dirty="0"/>
+          <p:cNvPr id="3" name="內容版面配置區 2"/>
+          <p:cNvSpPr>
+            <a:spLocks noGrp="1"/>
+          </p:cNvSpPr>
+          <p:nvPr>
+            <p:ph idx="1"/>
+          </p:nvPr>
+        </p:nvSpPr>
+        <p:spPr>
+          <a:xfrm>
+            <a:off x="838200" y="1825624"/>
+            <a:ext cx="10515600" cy="4530725"/>
+          </a:xfrm>
+        </p:spPr>
+        <p:txBody>
+          <a:bodyPr/>
+          <a:lstStyle/>
+          <a:p>
+            <a:r>
+              <a:rPr lang="en-US" altLang="zh-TW" dirty="0"/>
+              <a:t>[ ] </a:t>
+            </a:r>
+            <a:r>
+              <a:rPr lang="zh-TW" altLang="en-US" dirty="0"/>
+              <a:t>匹配在括號裡面的字母</a:t>
+            </a:r>
+          </a:p>
+          <a:p>
+            <a:r>
+              <a:rPr lang="en-US" altLang="zh-TW" dirty="0"/>
+              <a:t>[^] </a:t>
+            </a:r>
+            <a:r>
+              <a:rPr lang="zh-TW" altLang="en-US" dirty="0"/>
+              <a:t>匹配不包含在</a:t>
+            </a:r>
+            <a:r>
+              <a:rPr lang="en-US" altLang="zh-TW" dirty="0"/>
+              <a:t>[ ]</a:t>
+            </a:r>
+            <a:r>
+              <a:rPr lang="zh-TW" altLang="en-US" dirty="0"/>
+              <a:t>裡面的文字</a:t>
+            </a:r>
+          </a:p>
+          <a:p>
+            <a:r>
+              <a:rPr lang="en-US" altLang="zh-TW" dirty="0"/>
+              <a:t>| </a:t>
+            </a:r>
+            <a:r>
+              <a:rPr lang="zh-TW" altLang="en-US" dirty="0"/>
+              <a:t>有</a:t>
+            </a:r>
+            <a:r>
+              <a:rPr lang="en-US" altLang="zh-TW" dirty="0"/>
+              <a:t>OR</a:t>
+            </a:r>
+            <a:r>
+              <a:rPr lang="zh-TW" altLang="en-US" dirty="0"/>
+              <a:t>的概念</a:t>
+            </a:r>
+          </a:p>
+          <a:p>
+            <a:r>
+              <a:rPr lang="en-US" altLang="zh-TW" dirty="0"/>
+              <a:t>? </a:t>
+            </a:r>
+            <a:r>
+              <a:rPr lang="zh-TW" altLang="en-US" dirty="0"/>
+              <a:t>前面的字元式非必要的</a:t>
+            </a:r>
+          </a:p>
+          <a:p>
+            <a:r>
+              <a:rPr lang="zh-TW" altLang="en-US" dirty="0"/>
+              <a:t>* 前面的字元可以出現</a:t>
+            </a:r>
+            <a:r>
+              <a:rPr lang="en-US" altLang="zh-TW" dirty="0"/>
+              <a:t>0</a:t>
+            </a:r>
+            <a:r>
+              <a:rPr lang="zh-TW" altLang="en-US" dirty="0"/>
+              <a:t>次也可以出現多次</a:t>
+            </a:r>
+          </a:p>
+          <a:p>
+            <a:r>
+              <a:rPr lang="en-US" altLang="zh-TW" dirty="0"/>
+              <a:t>+ </a:t>
+            </a:r>
+            <a:r>
+              <a:rPr lang="zh-TW" altLang="en-US" dirty="0"/>
+              <a:t>前面的字元至少要出現一次</a:t>
+            </a:r>
+          </a:p>
+          <a:p>
+            <a:r>
+              <a:rPr lang="en-US" altLang="zh-TW" dirty="0"/>
+              <a:t>.  </a:t>
+            </a:r>
+            <a:r>
+              <a:rPr lang="zh-TW" altLang="en-US" dirty="0"/>
+              <a:t>不管任何字元都可以匹配</a:t>
+            </a:r>
+          </a:p>
+          <a:p>
+            <a:r>
+              <a:rPr lang="en-US" altLang="zh-TW" dirty="0"/>
+              <a:t>^ </a:t>
+            </a:r>
+            <a:r>
+              <a:rPr lang="zh-TW" altLang="en-US" dirty="0"/>
+              <a:t>匹配句子的起始位置</a:t>
+            </a:r>
+          </a:p>
+          <a:p>
+            <a:r>
+              <a:rPr lang="en-US" altLang="zh-TW" dirty="0"/>
+              <a:t>$  </a:t>
+            </a:r>
+            <a:r>
+              <a:rPr lang="zh-TW" altLang="en-US" dirty="0"/>
+              <a:t>匹配句子結尾位置</a:t>
+            </a:r>
+          </a:p>
+          <a:p>
+            <a:r>
+              <a:rPr lang="zh-TW" altLang="en-US" dirty="0" smtClean="0">
+                <a:solidFill>
+                  <a:srgbClr val="FF0000"/>
+                </a:solidFill>
+              </a:rPr>
+              <a:t>還有許多規則可以到網路上查</a:t>
+            </a:r>
+            <a:endParaRPr lang="zh-TW" altLang="en-US" dirty="0">
+              <a:solidFill>
+                <a:srgbClr val="FF0000"/>
+              </a:solidFill>
+            </a:endParaRPr>
           </a:p>
         </p:txBody>
       </p:sp>
@@ -13791,7 +13804,7 @@
     </p:spTree>
     <p:extLst>
       <p:ext uri="{BB962C8B-B14F-4D97-AF65-F5344CB8AC3E}">
-        <p14:creationId xmlns:p14="http://schemas.microsoft.com/office/powerpoint/2010/main" val="3720503342"/>
+        <p14:creationId xmlns:p14="http://schemas.microsoft.com/office/powerpoint/2010/main" val="683282163"/>
       </p:ext>
     </p:extLst>
   </p:cSld>
@@ -14107,7 +14120,11 @@
           <a:p>
             <a:r>
               <a:rPr lang="en-US" altLang="zh-TW" dirty="0"/>
-              <a:t>What is regular expression?</a:t>
+              <a:t>Python </a:t>
+            </a:r>
+            <a:r>
+              <a:rPr lang="en-US" altLang="zh-TW" dirty="0" smtClean="0"/>
+              <a:t>Package: RE</a:t>
             </a:r>
             <a:endParaRPr lang="zh-TW" altLang="en-US" dirty="0"/>
           </a:p>
@@ -14130,13 +14147,19 @@
           <a:p>
             <a:r>
               <a:rPr lang="en-US" altLang="zh-TW" dirty="0" smtClean="0"/>
-              <a:t>Write a rule to match the words.</a:t>
+              <a:t>Built-in Function of Python</a:t>
             </a:r>
           </a:p>
           <a:p>
             <a:r>
               <a:rPr lang="en-US" altLang="zh-TW" dirty="0" smtClean="0"/>
-              <a:t>There are many editors allowing to search the text by using regular expression.</a:t>
+              <a:t>Mainly used to process Regular Expression</a:t>
+            </a:r>
+          </a:p>
+          <a:p>
+            <a:r>
+              <a:rPr lang="en-US" altLang="zh-TW" dirty="0" smtClean="0"/>
+              <a:t>It can be used to match and split the string etc.</a:t>
             </a:r>
             <a:endParaRPr lang="zh-TW" altLang="en-US" dirty="0"/>
           </a:p>
@@ -14214,7 +14237,7 @@
     </p:spTree>
     <p:extLst>
       <p:ext uri="{BB962C8B-B14F-4D97-AF65-F5344CB8AC3E}">
-        <p14:creationId xmlns:p14="http://schemas.microsoft.com/office/powerpoint/2010/main" val="2071329512"/>
+        <p14:creationId xmlns:p14="http://schemas.microsoft.com/office/powerpoint/2010/main" val="3110212696"/>
       </p:ext>
     </p:extLst>
   </p:cSld>
@@ -14264,8 +14287,8 @@
           <a:lstStyle/>
           <a:p>
             <a:r>
-              <a:rPr lang="zh-TW" altLang="en-US" dirty="0" smtClean="0"/>
-              <a:t>基本正規表示式介紹</a:t>
+              <a:rPr lang="en-US" altLang="zh-TW" dirty="0" smtClean="0"/>
+              <a:t>RE Example</a:t>
             </a:r>
             <a:endParaRPr lang="zh-TW" altLang="en-US" dirty="0"/>
           </a:p>
@@ -14281,139 +14304,57 @@
             <p:ph idx="1"/>
           </p:nvPr>
         </p:nvSpPr>
-        <p:spPr>
-          <a:xfrm>
-            <a:off x="838200" y="1825624"/>
-            <a:ext cx="10515600" cy="4530725"/>
-          </a:xfrm>
-        </p:spPr>
-        <p:txBody>
-          <a:bodyPr/>
-          <a:lstStyle/>
-          <a:p>
+        <p:spPr/>
+        <p:txBody>
+          <a:bodyPr>
+            <a:normAutofit fontScale="77500" lnSpcReduction="20000"/>
+          </a:bodyPr>
+          <a:lstStyle/>
+          <a:p>
+            <a:endParaRPr lang="en-US" altLang="zh-TW" dirty="0" smtClean="0"/>
+          </a:p>
+          <a:p>
+            <a:endParaRPr lang="en-US" altLang="zh-TW" dirty="0"/>
+          </a:p>
+          <a:p>
+            <a:endParaRPr lang="en-US" altLang="zh-TW" dirty="0" smtClean="0"/>
+          </a:p>
+          <a:p>
+            <a:endParaRPr lang="en-US" altLang="zh-TW" dirty="0"/>
+          </a:p>
+          <a:p>
+            <a:endParaRPr lang="en-US" altLang="zh-TW" dirty="0" smtClean="0"/>
+          </a:p>
+          <a:p>
+            <a:endParaRPr lang="en-US" altLang="zh-TW" dirty="0"/>
+          </a:p>
+          <a:p>
+            <a:endParaRPr lang="en-US" altLang="zh-TW" dirty="0" smtClean="0"/>
+          </a:p>
+          <a:p>
+            <a:endParaRPr lang="en-US" altLang="zh-TW" dirty="0"/>
+          </a:p>
+          <a:p>
+            <a:endParaRPr lang="en-US" altLang="zh-TW" dirty="0" smtClean="0"/>
+          </a:p>
+          <a:p>
+            <a:endParaRPr lang="en-US" altLang="zh-TW" dirty="0"/>
+          </a:p>
+          <a:p>
+            <a:endParaRPr lang="en-US" altLang="zh-TW" dirty="0" smtClean="0"/>
+          </a:p>
+          <a:p>
+            <a:endParaRPr lang="en-US" altLang="zh-TW" dirty="0" smtClean="0"/>
+          </a:p>
+          <a:p>
+            <a:pPr marL="0" indent="0">
+              <a:buNone/>
+            </a:pPr>
             <a:r>
               <a:rPr lang="en-US" altLang="zh-TW" dirty="0"/>
-              <a:t>[ ] </a:t>
-            </a:r>
-            <a:r>
-              <a:rPr lang="zh-TW" altLang="en-US" dirty="0"/>
-              <a:t>匹配在括號裡面的字母</a:t>
-            </a:r>
-          </a:p>
-          <a:p>
-            <a:r>
-              <a:rPr lang="en-US" altLang="zh-TW" dirty="0"/>
-              <a:t>[^] </a:t>
-            </a:r>
-            <a:r>
-              <a:rPr lang="zh-TW" altLang="en-US" dirty="0"/>
-              <a:t>匹配不包含在</a:t>
-            </a:r>
-            <a:r>
-              <a:rPr lang="en-US" altLang="zh-TW" dirty="0"/>
-              <a:t>[ ]</a:t>
-            </a:r>
-            <a:r>
-              <a:rPr lang="zh-TW" altLang="en-US" dirty="0"/>
-              <a:t>裡面的文字</a:t>
-            </a:r>
-          </a:p>
-          <a:p>
-            <a:r>
-              <a:rPr lang="en-US" altLang="zh-TW" dirty="0"/>
-              <a:t>| </a:t>
-            </a:r>
-            <a:r>
-              <a:rPr lang="zh-TW" altLang="en-US" dirty="0"/>
-              <a:t>有</a:t>
-            </a:r>
-            <a:r>
-              <a:rPr lang="en-US" altLang="zh-TW" dirty="0"/>
-              <a:t>OR</a:t>
-            </a:r>
-            <a:r>
-              <a:rPr lang="zh-TW" altLang="en-US" dirty="0"/>
-              <a:t>的概念</a:t>
-            </a:r>
-          </a:p>
-          <a:p>
-            <a:r>
-              <a:rPr lang="en-US" altLang="zh-TW" dirty="0"/>
-              <a:t>? </a:t>
-            </a:r>
-            <a:r>
-              <a:rPr lang="zh-TW" altLang="en-US" dirty="0"/>
-              <a:t>前面的字元式非必要的</a:t>
-            </a:r>
-          </a:p>
-          <a:p>
-            <a:r>
-              <a:rPr lang="zh-TW" altLang="en-US" dirty="0"/>
-              <a:t>* 前面的字元可以出現</a:t>
-            </a:r>
-            <a:r>
-              <a:rPr lang="en-US" altLang="zh-TW" dirty="0"/>
-              <a:t>0</a:t>
-            </a:r>
-            <a:r>
-              <a:rPr lang="zh-TW" altLang="en-US" dirty="0"/>
-              <a:t>次也可以出現多次</a:t>
-            </a:r>
-          </a:p>
-          <a:p>
-            <a:r>
-              <a:rPr lang="en-US" altLang="zh-TW" dirty="0"/>
-              <a:t>+ </a:t>
-            </a:r>
-            <a:r>
-              <a:rPr lang="zh-TW" altLang="en-US" dirty="0"/>
-              <a:t>前面的字元至少要出現一次</a:t>
-            </a:r>
-          </a:p>
-          <a:p>
-            <a:r>
-              <a:rPr lang="en-US" altLang="zh-TW" dirty="0"/>
-              <a:t>.  </a:t>
-            </a:r>
-            <a:r>
-              <a:rPr lang="zh-TW" altLang="en-US" dirty="0"/>
-              <a:t>不管任何字元都可以匹配</a:t>
-            </a:r>
-          </a:p>
-          <a:p>
-            <a:r>
-              <a:rPr lang="en-US" altLang="zh-TW" dirty="0"/>
-              <a:t>^ </a:t>
-            </a:r>
-            <a:r>
-              <a:rPr lang="zh-TW" altLang="en-US" dirty="0"/>
-              <a:t>匹配句子的起始位置</a:t>
-            </a:r>
-          </a:p>
-          <a:p>
-            <a:r>
-              <a:rPr lang="en-US" altLang="zh-TW" dirty="0"/>
-              <a:t>$  </a:t>
-            </a:r>
-            <a:r>
-              <a:rPr lang="zh-TW" altLang="en-US" dirty="0"/>
-              <a:t>匹配句子結尾位置</a:t>
-            </a:r>
-          </a:p>
-          <a:p>
-            <a:r>
-              <a:rPr lang="zh-TW" altLang="en-US" dirty="0" smtClean="0">
-                <a:solidFill>
-                  <a:srgbClr val="FF0000"/>
-                </a:solidFill>
-              </a:rPr>
-              <a:t>還有許多規則可以到網路上查</a:t>
-            </a:r>
-            <a:endParaRPr lang="zh-TW" altLang="en-US" dirty="0">
-              <a:solidFill>
-                <a:srgbClr val="FF0000"/>
-              </a:solidFill>
-            </a:endParaRPr>
+              <a:t> </a:t>
+            </a:r>
+            <a:endParaRPr lang="zh-TW" altLang="en-US" dirty="0"/>
           </a:p>
         </p:txBody>
       </p:sp>
@@ -14481,367 +14422,6 @@
             <a:fld id="{CA21FC57-2F32-463F-AC0A-B18DACEEE895}" type="slidenum">
               <a:rPr lang="zh-TW" altLang="en-US" smtClean="0"/>
               <a:t>41</a:t>
-            </a:fld>
-            <a:endParaRPr lang="zh-TW" altLang="en-US"/>
-          </a:p>
-        </p:txBody>
-      </p:sp>
-    </p:spTree>
-    <p:extLst>
-      <p:ext uri="{BB962C8B-B14F-4D97-AF65-F5344CB8AC3E}">
-        <p14:creationId xmlns:p14="http://schemas.microsoft.com/office/powerpoint/2010/main" val="683282163"/>
-      </p:ext>
-    </p:extLst>
-  </p:cSld>
-  <p:clrMapOvr>
-    <a:masterClrMapping/>
-  </p:clrMapOvr>
-  <p:timing>
-    <p:tnLst>
-      <p:par>
-        <p:cTn id="1" dur="indefinite" restart="never" nodeType="tmRoot"/>
-      </p:par>
-    </p:tnLst>
-  </p:timing>
-</p:sld>
-</file>
-
-<file path=ppt/slides/slide42.xml><?xml version="1.0" encoding="utf-8"?>
-<p:sld xmlns:a="http://schemas.openxmlformats.org/drawingml/2006/main" xmlns:r="http://schemas.openxmlformats.org/officeDocument/2006/relationships" xmlns:p="http://schemas.openxmlformats.org/presentationml/2006/main">
-  <p:cSld>
-    <p:spTree>
-      <p:nvGrpSpPr>
-        <p:cNvPr id="1" name=""/>
-        <p:cNvGrpSpPr/>
-        <p:nvPr/>
-      </p:nvGrpSpPr>
-      <p:grpSpPr>
-        <a:xfrm>
-          <a:off x="0" y="0"/>
-          <a:ext cx="0" cy="0"/>
-          <a:chOff x="0" y="0"/>
-          <a:chExt cx="0" cy="0"/>
-        </a:xfrm>
-      </p:grpSpPr>
-      <p:sp>
-        <p:nvSpPr>
-          <p:cNvPr id="2" name="標題 1"/>
-          <p:cNvSpPr>
-            <a:spLocks noGrp="1"/>
-          </p:cNvSpPr>
-          <p:nvPr>
-            <p:ph type="title"/>
-          </p:nvPr>
-        </p:nvSpPr>
-        <p:spPr/>
-        <p:txBody>
-          <a:bodyPr/>
-          <a:lstStyle/>
-          <a:p>
-            <a:r>
-              <a:rPr lang="en-US" altLang="zh-TW" dirty="0"/>
-              <a:t>Python </a:t>
-            </a:r>
-            <a:r>
-              <a:rPr lang="en-US" altLang="zh-TW" dirty="0" smtClean="0"/>
-              <a:t>Package: RE</a:t>
-            </a:r>
-            <a:endParaRPr lang="zh-TW" altLang="en-US" dirty="0"/>
-          </a:p>
-        </p:txBody>
-      </p:sp>
-      <p:sp>
-        <p:nvSpPr>
-          <p:cNvPr id="3" name="內容版面配置區 2"/>
-          <p:cNvSpPr>
-            <a:spLocks noGrp="1"/>
-          </p:cNvSpPr>
-          <p:nvPr>
-            <p:ph idx="1"/>
-          </p:nvPr>
-        </p:nvSpPr>
-        <p:spPr/>
-        <p:txBody>
-          <a:bodyPr/>
-          <a:lstStyle/>
-          <a:p>
-            <a:r>
-              <a:rPr lang="en-US" altLang="zh-TW" dirty="0" smtClean="0"/>
-              <a:t>Built-in Function of Python</a:t>
-            </a:r>
-          </a:p>
-          <a:p>
-            <a:r>
-              <a:rPr lang="en-US" altLang="zh-TW" dirty="0" smtClean="0"/>
-              <a:t>Mainly used to process Regular Expression</a:t>
-            </a:r>
-          </a:p>
-          <a:p>
-            <a:r>
-              <a:rPr lang="en-US" altLang="zh-TW" dirty="0" smtClean="0"/>
-              <a:t>It can be used to match and split the string etc.</a:t>
-            </a:r>
-            <a:endParaRPr lang="zh-TW" altLang="en-US" dirty="0"/>
-          </a:p>
-        </p:txBody>
-      </p:sp>
-      <p:sp>
-        <p:nvSpPr>
-          <p:cNvPr id="4" name="日期版面配置區 3"/>
-          <p:cNvSpPr>
-            <a:spLocks noGrp="1"/>
-          </p:cNvSpPr>
-          <p:nvPr>
-            <p:ph type="dt" sz="half" idx="10"/>
-          </p:nvPr>
-        </p:nvSpPr>
-        <p:spPr/>
-        <p:txBody>
-          <a:bodyPr/>
-          <a:lstStyle/>
-          <a:p>
-            <a:r>
-              <a:rPr lang="en-US" altLang="zh-TW" smtClean="0"/>
-              <a:t>October, 2020</a:t>
-            </a:r>
-            <a:endParaRPr lang="zh-TW" altLang="en-US"/>
-          </a:p>
-        </p:txBody>
-      </p:sp>
-      <p:sp>
-        <p:nvSpPr>
-          <p:cNvPr id="5" name="頁尾版面配置區 4"/>
-          <p:cNvSpPr>
-            <a:spLocks noGrp="1"/>
-          </p:cNvSpPr>
-          <p:nvPr>
-            <p:ph type="ftr" sz="quarter" idx="11"/>
-          </p:nvPr>
-        </p:nvSpPr>
-        <p:spPr/>
-        <p:txBody>
-          <a:bodyPr/>
-          <a:lstStyle/>
-          <a:p>
-            <a:r>
-              <a:rPr lang="zh-TW" altLang="en-US" smtClean="0"/>
-              <a:t>國立高雄科技大學建功校區電子工程系</a:t>
-            </a:r>
-            <a:endParaRPr lang="zh-TW" altLang="en-US"/>
-          </a:p>
-        </p:txBody>
-      </p:sp>
-      <p:sp>
-        <p:nvSpPr>
-          <p:cNvPr id="6" name="投影片編號版面配置區 5"/>
-          <p:cNvSpPr>
-            <a:spLocks noGrp="1"/>
-          </p:cNvSpPr>
-          <p:nvPr>
-            <p:ph type="sldNum" sz="quarter" idx="12"/>
-          </p:nvPr>
-        </p:nvSpPr>
-        <p:spPr/>
-        <p:txBody>
-          <a:bodyPr/>
-          <a:lstStyle/>
-          <a:p>
-            <a:fld id="{CA21FC57-2F32-463F-AC0A-B18DACEEE895}" type="slidenum">
-              <a:rPr lang="zh-TW" altLang="en-US" smtClean="0"/>
-              <a:t>42</a:t>
-            </a:fld>
-            <a:endParaRPr lang="zh-TW" altLang="en-US"/>
-          </a:p>
-        </p:txBody>
-      </p:sp>
-    </p:spTree>
-    <p:extLst>
-      <p:ext uri="{BB962C8B-B14F-4D97-AF65-F5344CB8AC3E}">
-        <p14:creationId xmlns:p14="http://schemas.microsoft.com/office/powerpoint/2010/main" val="3110212696"/>
-      </p:ext>
-    </p:extLst>
-  </p:cSld>
-  <p:clrMapOvr>
-    <a:masterClrMapping/>
-  </p:clrMapOvr>
-  <p:timing>
-    <p:tnLst>
-      <p:par>
-        <p:cTn id="1" dur="indefinite" restart="never" nodeType="tmRoot"/>
-      </p:par>
-    </p:tnLst>
-  </p:timing>
-</p:sld>
-</file>
-
-<file path=ppt/slides/slide43.xml><?xml version="1.0" encoding="utf-8"?>
-<p:sld xmlns:a="http://schemas.openxmlformats.org/drawingml/2006/main" xmlns:r="http://schemas.openxmlformats.org/officeDocument/2006/relationships" xmlns:p="http://schemas.openxmlformats.org/presentationml/2006/main">
-  <p:cSld>
-    <p:spTree>
-      <p:nvGrpSpPr>
-        <p:cNvPr id="1" name=""/>
-        <p:cNvGrpSpPr/>
-        <p:nvPr/>
-      </p:nvGrpSpPr>
-      <p:grpSpPr>
-        <a:xfrm>
-          <a:off x="0" y="0"/>
-          <a:ext cx="0" cy="0"/>
-          <a:chOff x="0" y="0"/>
-          <a:chExt cx="0" cy="0"/>
-        </a:xfrm>
-      </p:grpSpPr>
-      <p:sp>
-        <p:nvSpPr>
-          <p:cNvPr id="2" name="標題 1"/>
-          <p:cNvSpPr>
-            <a:spLocks noGrp="1"/>
-          </p:cNvSpPr>
-          <p:nvPr>
-            <p:ph type="title"/>
-          </p:nvPr>
-        </p:nvSpPr>
-        <p:spPr/>
-        <p:txBody>
-          <a:bodyPr/>
-          <a:lstStyle/>
-          <a:p>
-            <a:r>
-              <a:rPr lang="en-US" altLang="zh-TW" dirty="0" smtClean="0"/>
-              <a:t>RE Example</a:t>
-            </a:r>
-            <a:endParaRPr lang="zh-TW" altLang="en-US" dirty="0"/>
-          </a:p>
-        </p:txBody>
-      </p:sp>
-      <p:sp>
-        <p:nvSpPr>
-          <p:cNvPr id="3" name="內容版面配置區 2"/>
-          <p:cNvSpPr>
-            <a:spLocks noGrp="1"/>
-          </p:cNvSpPr>
-          <p:nvPr>
-            <p:ph idx="1"/>
-          </p:nvPr>
-        </p:nvSpPr>
-        <p:spPr/>
-        <p:txBody>
-          <a:bodyPr>
-            <a:normAutofit fontScale="77500" lnSpcReduction="20000"/>
-          </a:bodyPr>
-          <a:lstStyle/>
-          <a:p>
-            <a:endParaRPr lang="en-US" altLang="zh-TW" dirty="0" smtClean="0"/>
-          </a:p>
-          <a:p>
-            <a:endParaRPr lang="en-US" altLang="zh-TW" dirty="0"/>
-          </a:p>
-          <a:p>
-            <a:endParaRPr lang="en-US" altLang="zh-TW" dirty="0" smtClean="0"/>
-          </a:p>
-          <a:p>
-            <a:endParaRPr lang="en-US" altLang="zh-TW" dirty="0"/>
-          </a:p>
-          <a:p>
-            <a:endParaRPr lang="en-US" altLang="zh-TW" dirty="0" smtClean="0"/>
-          </a:p>
-          <a:p>
-            <a:endParaRPr lang="en-US" altLang="zh-TW" dirty="0"/>
-          </a:p>
-          <a:p>
-            <a:endParaRPr lang="en-US" altLang="zh-TW" dirty="0" smtClean="0"/>
-          </a:p>
-          <a:p>
-            <a:endParaRPr lang="en-US" altLang="zh-TW" dirty="0"/>
-          </a:p>
-          <a:p>
-            <a:endParaRPr lang="en-US" altLang="zh-TW" dirty="0" smtClean="0"/>
-          </a:p>
-          <a:p>
-            <a:endParaRPr lang="en-US" altLang="zh-TW" dirty="0"/>
-          </a:p>
-          <a:p>
-            <a:endParaRPr lang="en-US" altLang="zh-TW" dirty="0" smtClean="0"/>
-          </a:p>
-          <a:p>
-            <a:endParaRPr lang="en-US" altLang="zh-TW" dirty="0" smtClean="0"/>
-          </a:p>
-          <a:p>
-            <a:pPr marL="0" indent="0">
-              <a:buNone/>
-            </a:pPr>
-            <a:r>
-              <a:rPr lang="en-US" altLang="zh-TW" dirty="0"/>
-              <a:t> </a:t>
-            </a:r>
-            <a:endParaRPr lang="zh-TW" altLang="en-US" dirty="0"/>
-          </a:p>
-        </p:txBody>
-      </p:sp>
-      <p:sp>
-        <p:nvSpPr>
-          <p:cNvPr id="4" name="日期版面配置區 3"/>
-          <p:cNvSpPr>
-            <a:spLocks noGrp="1"/>
-          </p:cNvSpPr>
-          <p:nvPr>
-            <p:ph type="dt" sz="half" idx="10"/>
-          </p:nvPr>
-        </p:nvSpPr>
-        <p:spPr/>
-        <p:txBody>
-          <a:bodyPr/>
-          <a:lstStyle/>
-          <a:p>
-            <a:r>
-              <a:rPr lang="en-US" altLang="zh-TW" smtClean="0"/>
-              <a:t>October, 2020</a:t>
-            </a:r>
-            <a:endParaRPr lang="zh-TW" altLang="en-US"/>
-          </a:p>
-        </p:txBody>
-      </p:sp>
-      <p:sp>
-        <p:nvSpPr>
-          <p:cNvPr id="5" name="頁尾版面配置區 4"/>
-          <p:cNvSpPr>
-            <a:spLocks noGrp="1"/>
-          </p:cNvSpPr>
-          <p:nvPr>
-            <p:ph type="ftr" sz="quarter" idx="11"/>
-          </p:nvPr>
-        </p:nvSpPr>
-        <p:spPr/>
-        <p:txBody>
-          <a:bodyPr/>
-          <a:lstStyle/>
-          <a:p>
-            <a:r>
-              <a:rPr lang="zh-TW" altLang="en-US" smtClean="0"/>
-              <a:t>國立高雄科技大學建功校區電子工程系</a:t>
-            </a:r>
-            <a:endParaRPr lang="zh-TW" altLang="en-US"/>
-          </a:p>
-        </p:txBody>
-      </p:sp>
-      <p:sp>
-        <p:nvSpPr>
-          <p:cNvPr id="6" name="投影片編號版面配置區 5"/>
-          <p:cNvSpPr>
-            <a:spLocks noGrp="1"/>
-          </p:cNvSpPr>
-          <p:nvPr>
-            <p:ph type="sldNum" sz="quarter" idx="12"/>
-          </p:nvPr>
-        </p:nvSpPr>
-        <p:spPr/>
-        <p:txBody>
-          <a:bodyPr/>
-          <a:lstStyle/>
-          <a:p>
-            <a:fld id="{CA21FC57-2F32-463F-AC0A-B18DACEEE895}" type="slidenum">
-              <a:rPr lang="zh-TW" altLang="en-US" smtClean="0"/>
-              <a:t>43</a:t>
             </a:fld>
             <a:endParaRPr lang="zh-TW" altLang="en-US"/>
           </a:p>
@@ -14897,7 +14477,7 @@
 </p:sld>
 </file>
 
-<file path=ppt/slides/slide44.xml><?xml version="1.0" encoding="utf-8"?>
+<file path=ppt/slides/slide42.xml><?xml version="1.0" encoding="utf-8"?>
 <p:sld xmlns:a="http://schemas.openxmlformats.org/drawingml/2006/main" xmlns:r="http://schemas.openxmlformats.org/officeDocument/2006/relationships" xmlns:p="http://schemas.openxmlformats.org/presentationml/2006/main">
   <p:cSld>
     <p:spTree>
@@ -15019,7 +14599,7 @@
           <a:p>
             <a:fld id="{CA21FC57-2F32-463F-AC0A-B18DACEEE895}" type="slidenum">
               <a:rPr lang="zh-TW" altLang="en-US" smtClean="0"/>
-              <a:t>44</a:t>
+              <a:t>42</a:t>
             </a:fld>
             <a:endParaRPr lang="zh-TW" altLang="en-US"/>
           </a:p>
@@ -15045,7 +14625,7 @@
 </p:sld>
 </file>
 
-<file path=ppt/slides/slide45.xml><?xml version="1.0" encoding="utf-8"?>
+<file path=ppt/slides/slide43.xml><?xml version="1.0" encoding="utf-8"?>
 <p:sld xmlns:a="http://schemas.openxmlformats.org/drawingml/2006/main" xmlns:r="http://schemas.openxmlformats.org/officeDocument/2006/relationships" xmlns:p="http://schemas.openxmlformats.org/presentationml/2006/main">
   <p:cSld>
     <p:spTree>
@@ -15363,7 +14943,7 @@
           <a:p>
             <a:fld id="{CA21FC57-2F32-463F-AC0A-B18DACEEE895}" type="slidenum">
               <a:rPr lang="zh-TW" altLang="en-US" smtClean="0"/>
-              <a:t>45</a:t>
+              <a:t>43</a:t>
             </a:fld>
             <a:endParaRPr lang="zh-TW" altLang="en-US"/>
           </a:p>
@@ -15389,7 +14969,7 @@
 </p:sld>
 </file>
 
-<file path=ppt/slides/slide46.xml><?xml version="1.0" encoding="utf-8"?>
+<file path=ppt/slides/slide44.xml><?xml version="1.0" encoding="utf-8"?>
 <p:sld xmlns:a="http://schemas.openxmlformats.org/drawingml/2006/main" xmlns:r="http://schemas.openxmlformats.org/officeDocument/2006/relationships" xmlns:p="http://schemas.openxmlformats.org/presentationml/2006/main">
   <p:cSld>
     <p:spTree>
@@ -15684,7 +15264,7 @@
           <a:p>
             <a:fld id="{CA21FC57-2F32-463F-AC0A-B18DACEEE895}" type="slidenum">
               <a:rPr lang="zh-TW" altLang="en-US" smtClean="0"/>
-              <a:t>46</a:t>
+              <a:t>44</a:t>
             </a:fld>
             <a:endParaRPr lang="zh-TW" altLang="en-US"/>
           </a:p>
@@ -16944,7 +16524,11 @@
                     <a:p>
                       <a:r>
                         <a:rPr lang="en-US" altLang="zh-TW" dirty="0" smtClean="0"/>
-                        <a:t>TF &amp; TF-IDF</a:t>
+                        <a:t>TF </a:t>
+                      </a:r>
+                      <a:r>
+                        <a:rPr lang="en-US" altLang="zh-TW" smtClean="0"/>
+                        <a:t>&amp; TF-IDF</a:t>
                       </a:r>
                       <a:endParaRPr lang="zh-TW" altLang="en-US" dirty="0"/>
                     </a:p>
